--- a/Front-end/5. jQuery vs JS/jQuery.pptx
+++ b/Front-end/5. jQuery vs JS/jQuery.pptx
@@ -4,10 +4,31 @@
   <p:sldMasterIdLst>
     <p:sldMasterId id="2147483648" r:id="rId1"/>
   </p:sldMasterIdLst>
+  <p:notesMasterIdLst>
+    <p:notesMasterId r:id="rId23"/>
+  </p:notesMasterIdLst>
   <p:sldIdLst>
     <p:sldId id="256" r:id="rId2"/>
-    <p:sldId id="257" r:id="rId3"/>
-    <p:sldId id="258" r:id="rId4"/>
+    <p:sldId id="260" r:id="rId3"/>
+    <p:sldId id="257" r:id="rId4"/>
+    <p:sldId id="275" r:id="rId5"/>
+    <p:sldId id="259" r:id="rId6"/>
+    <p:sldId id="258" r:id="rId7"/>
+    <p:sldId id="261" r:id="rId8"/>
+    <p:sldId id="262" r:id="rId9"/>
+    <p:sldId id="263" r:id="rId10"/>
+    <p:sldId id="264" r:id="rId11"/>
+    <p:sldId id="265" r:id="rId12"/>
+    <p:sldId id="267" r:id="rId13"/>
+    <p:sldId id="268" r:id="rId14"/>
+    <p:sldId id="269" r:id="rId15"/>
+    <p:sldId id="270" r:id="rId16"/>
+    <p:sldId id="271" r:id="rId17"/>
+    <p:sldId id="272" r:id="rId18"/>
+    <p:sldId id="277" r:id="rId19"/>
+    <p:sldId id="276" r:id="rId20"/>
+    <p:sldId id="274" r:id="rId21"/>
+    <p:sldId id="273" r:id="rId22"/>
   </p:sldIdLst>
   <p:sldSz cx="9144000" cy="6858000" type="screen4x3"/>
   <p:notesSz cx="6858000" cy="9144000"/>
@@ -109,6 +130,440 @@
 </p:presentation>
 </file>
 
+<file path=ppt/notesMasters/notesMaster1.xml><?xml version="1.0" encoding="utf-8"?>
+<p:notesMaster xmlns:a="http://schemas.openxmlformats.org/drawingml/2006/main" xmlns:r="http://schemas.openxmlformats.org/officeDocument/2006/relationships" xmlns:p="http://schemas.openxmlformats.org/presentationml/2006/main">
+  <p:cSld>
+    <p:bg>
+      <p:bgRef idx="1001">
+        <a:schemeClr val="bg1"/>
+      </p:bgRef>
+    </p:bg>
+    <p:spTree>
+      <p:nvGrpSpPr>
+        <p:cNvPr id="1" name=""/>
+        <p:cNvGrpSpPr/>
+        <p:nvPr/>
+      </p:nvGrpSpPr>
+      <p:grpSpPr>
+        <a:xfrm>
+          <a:off x="0" y="0"/>
+          <a:ext cx="0" cy="0"/>
+          <a:chOff x="0" y="0"/>
+          <a:chExt cx="0" cy="0"/>
+        </a:xfrm>
+      </p:grpSpPr>
+      <p:sp>
+        <p:nvSpPr>
+          <p:cNvPr id="2" name="Header Placeholder 1"/>
+          <p:cNvSpPr>
+            <a:spLocks noGrp="1"/>
+          </p:cNvSpPr>
+          <p:nvPr>
+            <p:ph type="hdr" sz="quarter"/>
+          </p:nvPr>
+        </p:nvSpPr>
+        <p:spPr>
+          <a:xfrm>
+            <a:off x="0" y="0"/>
+            <a:ext cx="2971800" cy="457200"/>
+          </a:xfrm>
+          <a:prstGeom prst="rect">
+            <a:avLst/>
+          </a:prstGeom>
+        </p:spPr>
+        <p:txBody>
+          <a:bodyPr vert="horz" lIns="91440" tIns="45720" rIns="91440" bIns="45720" rtlCol="0"/>
+          <a:lstStyle>
+            <a:lvl1pPr algn="l">
+              <a:defRPr sz="1200"/>
+            </a:lvl1pPr>
+          </a:lstStyle>
+          <a:p>
+            <a:endParaRPr lang="en-GB"/>
+          </a:p>
+        </p:txBody>
+      </p:sp>
+      <p:sp>
+        <p:nvSpPr>
+          <p:cNvPr id="3" name="Date Placeholder 2"/>
+          <p:cNvSpPr>
+            <a:spLocks noGrp="1"/>
+          </p:cNvSpPr>
+          <p:nvPr>
+            <p:ph type="dt" idx="1"/>
+          </p:nvPr>
+        </p:nvSpPr>
+        <p:spPr>
+          <a:xfrm>
+            <a:off x="3884613" y="0"/>
+            <a:ext cx="2971800" cy="457200"/>
+          </a:xfrm>
+          <a:prstGeom prst="rect">
+            <a:avLst/>
+          </a:prstGeom>
+        </p:spPr>
+        <p:txBody>
+          <a:bodyPr vert="horz" lIns="91440" tIns="45720" rIns="91440" bIns="45720" rtlCol="0"/>
+          <a:lstStyle>
+            <a:lvl1pPr algn="r">
+              <a:defRPr sz="1200"/>
+            </a:lvl1pPr>
+          </a:lstStyle>
+          <a:p>
+            <a:fld id="{0C0C87E9-5FAC-49BC-87EE-D99AA2AEA5C1}" type="datetimeFigureOut">
+              <a:rPr lang="en-GB" smtClean="0"/>
+              <a:t>22/05/2018</a:t>
+            </a:fld>
+            <a:endParaRPr lang="en-GB"/>
+          </a:p>
+        </p:txBody>
+      </p:sp>
+      <p:sp>
+        <p:nvSpPr>
+          <p:cNvPr id="4" name="Slide Image Placeholder 3"/>
+          <p:cNvSpPr>
+            <a:spLocks noGrp="1" noRot="1" noChangeAspect="1"/>
+          </p:cNvSpPr>
+          <p:nvPr>
+            <p:ph type="sldImg" idx="2"/>
+          </p:nvPr>
+        </p:nvSpPr>
+        <p:spPr>
+          <a:xfrm>
+            <a:off x="1143000" y="685800"/>
+            <a:ext cx="4572000" cy="3429000"/>
+          </a:xfrm>
+          <a:prstGeom prst="rect">
+            <a:avLst/>
+          </a:prstGeom>
+          <a:noFill/>
+          <a:ln w="12700">
+            <a:solidFill>
+              <a:prstClr val="black"/>
+            </a:solidFill>
+          </a:ln>
+        </p:spPr>
+        <p:txBody>
+          <a:bodyPr vert="horz" lIns="91440" tIns="45720" rIns="91440" bIns="45720" rtlCol="0" anchor="ctr"/>
+          <a:lstStyle/>
+          <a:p>
+            <a:endParaRPr lang="en-GB"/>
+          </a:p>
+        </p:txBody>
+      </p:sp>
+      <p:sp>
+        <p:nvSpPr>
+          <p:cNvPr id="5" name="Notes Placeholder 4"/>
+          <p:cNvSpPr>
+            <a:spLocks noGrp="1"/>
+          </p:cNvSpPr>
+          <p:nvPr>
+            <p:ph type="body" sz="quarter" idx="3"/>
+          </p:nvPr>
+        </p:nvSpPr>
+        <p:spPr>
+          <a:xfrm>
+            <a:off x="685800" y="4343400"/>
+            <a:ext cx="5486400" cy="4114800"/>
+          </a:xfrm>
+          <a:prstGeom prst="rect">
+            <a:avLst/>
+          </a:prstGeom>
+        </p:spPr>
+        <p:txBody>
+          <a:bodyPr vert="horz" lIns="91440" tIns="45720" rIns="91440" bIns="45720" rtlCol="0"/>
+          <a:lstStyle/>
+          <a:p>
+            <a:pPr lvl="0"/>
+            <a:r>
+              <a:rPr lang="en-US" smtClean="0"/>
+              <a:t>Click to edit Master text styles</a:t>
+            </a:r>
+          </a:p>
+          <a:p>
+            <a:pPr lvl="1"/>
+            <a:r>
+              <a:rPr lang="en-US" smtClean="0"/>
+              <a:t>Second level</a:t>
+            </a:r>
+          </a:p>
+          <a:p>
+            <a:pPr lvl="2"/>
+            <a:r>
+              <a:rPr lang="en-US" smtClean="0"/>
+              <a:t>Third level</a:t>
+            </a:r>
+          </a:p>
+          <a:p>
+            <a:pPr lvl="3"/>
+            <a:r>
+              <a:rPr lang="en-US" smtClean="0"/>
+              <a:t>Fourth level</a:t>
+            </a:r>
+          </a:p>
+          <a:p>
+            <a:pPr lvl="4"/>
+            <a:r>
+              <a:rPr lang="en-US" smtClean="0"/>
+              <a:t>Fifth level</a:t>
+            </a:r>
+            <a:endParaRPr lang="en-GB"/>
+          </a:p>
+        </p:txBody>
+      </p:sp>
+      <p:sp>
+        <p:nvSpPr>
+          <p:cNvPr id="6" name="Footer Placeholder 5"/>
+          <p:cNvSpPr>
+            <a:spLocks noGrp="1"/>
+          </p:cNvSpPr>
+          <p:nvPr>
+            <p:ph type="ftr" sz="quarter" idx="4"/>
+          </p:nvPr>
+        </p:nvSpPr>
+        <p:spPr>
+          <a:xfrm>
+            <a:off x="0" y="8685213"/>
+            <a:ext cx="2971800" cy="457200"/>
+          </a:xfrm>
+          <a:prstGeom prst="rect">
+            <a:avLst/>
+          </a:prstGeom>
+        </p:spPr>
+        <p:txBody>
+          <a:bodyPr vert="horz" lIns="91440" tIns="45720" rIns="91440" bIns="45720" rtlCol="0" anchor="b"/>
+          <a:lstStyle>
+            <a:lvl1pPr algn="l">
+              <a:defRPr sz="1200"/>
+            </a:lvl1pPr>
+          </a:lstStyle>
+          <a:p>
+            <a:endParaRPr lang="en-GB"/>
+          </a:p>
+        </p:txBody>
+      </p:sp>
+      <p:sp>
+        <p:nvSpPr>
+          <p:cNvPr id="7" name="Slide Number Placeholder 6"/>
+          <p:cNvSpPr>
+            <a:spLocks noGrp="1"/>
+          </p:cNvSpPr>
+          <p:nvPr>
+            <p:ph type="sldNum" sz="quarter" idx="5"/>
+          </p:nvPr>
+        </p:nvSpPr>
+        <p:spPr>
+          <a:xfrm>
+            <a:off x="3884613" y="8685213"/>
+            <a:ext cx="2971800" cy="457200"/>
+          </a:xfrm>
+          <a:prstGeom prst="rect">
+            <a:avLst/>
+          </a:prstGeom>
+        </p:spPr>
+        <p:txBody>
+          <a:bodyPr vert="horz" lIns="91440" tIns="45720" rIns="91440" bIns="45720" rtlCol="0" anchor="b"/>
+          <a:lstStyle>
+            <a:lvl1pPr algn="r">
+              <a:defRPr sz="1200"/>
+            </a:lvl1pPr>
+          </a:lstStyle>
+          <a:p>
+            <a:fld id="{C4235AF5-A46E-40AE-8978-574D8A09C7AA}" type="slidenum">
+              <a:rPr lang="en-GB" smtClean="0"/>
+              <a:t>‹#›</a:t>
+            </a:fld>
+            <a:endParaRPr lang="en-GB"/>
+          </a:p>
+        </p:txBody>
+      </p:sp>
+    </p:spTree>
+    <p:extLst>
+      <p:ext uri="{BB962C8B-B14F-4D97-AF65-F5344CB8AC3E}">
+        <p14:creationId xmlns:p14="http://schemas.microsoft.com/office/powerpoint/2010/main" val="1343003545"/>
+      </p:ext>
+    </p:extLst>
+  </p:cSld>
+  <p:clrMap bg1="lt1" tx1="dk1" bg2="lt2" tx2="dk2" accent1="accent1" accent2="accent2" accent3="accent3" accent4="accent4" accent5="accent5" accent6="accent6" hlink="hlink" folHlink="folHlink"/>
+  <p:notesStyle>
+    <a:lvl1pPr marL="0" algn="l" defTabSz="914400" rtl="0" eaLnBrk="1" latinLnBrk="0" hangingPunct="1">
+      <a:defRPr sz="1200" kern="1200">
+        <a:solidFill>
+          <a:schemeClr val="tx1"/>
+        </a:solidFill>
+        <a:latin typeface="+mn-lt"/>
+        <a:ea typeface="+mn-ea"/>
+        <a:cs typeface="+mn-cs"/>
+      </a:defRPr>
+    </a:lvl1pPr>
+    <a:lvl2pPr marL="457200" algn="l" defTabSz="914400" rtl="0" eaLnBrk="1" latinLnBrk="0" hangingPunct="1">
+      <a:defRPr sz="1200" kern="1200">
+        <a:solidFill>
+          <a:schemeClr val="tx1"/>
+        </a:solidFill>
+        <a:latin typeface="+mn-lt"/>
+        <a:ea typeface="+mn-ea"/>
+        <a:cs typeface="+mn-cs"/>
+      </a:defRPr>
+    </a:lvl2pPr>
+    <a:lvl3pPr marL="914400" algn="l" defTabSz="914400" rtl="0" eaLnBrk="1" latinLnBrk="0" hangingPunct="1">
+      <a:defRPr sz="1200" kern="1200">
+        <a:solidFill>
+          <a:schemeClr val="tx1"/>
+        </a:solidFill>
+        <a:latin typeface="+mn-lt"/>
+        <a:ea typeface="+mn-ea"/>
+        <a:cs typeface="+mn-cs"/>
+      </a:defRPr>
+    </a:lvl3pPr>
+    <a:lvl4pPr marL="1371600" algn="l" defTabSz="914400" rtl="0" eaLnBrk="1" latinLnBrk="0" hangingPunct="1">
+      <a:defRPr sz="1200" kern="1200">
+        <a:solidFill>
+          <a:schemeClr val="tx1"/>
+        </a:solidFill>
+        <a:latin typeface="+mn-lt"/>
+        <a:ea typeface="+mn-ea"/>
+        <a:cs typeface="+mn-cs"/>
+      </a:defRPr>
+    </a:lvl4pPr>
+    <a:lvl5pPr marL="1828800" algn="l" defTabSz="914400" rtl="0" eaLnBrk="1" latinLnBrk="0" hangingPunct="1">
+      <a:defRPr sz="1200" kern="1200">
+        <a:solidFill>
+          <a:schemeClr val="tx1"/>
+        </a:solidFill>
+        <a:latin typeface="+mn-lt"/>
+        <a:ea typeface="+mn-ea"/>
+        <a:cs typeface="+mn-cs"/>
+      </a:defRPr>
+    </a:lvl5pPr>
+    <a:lvl6pPr marL="2286000" algn="l" defTabSz="914400" rtl="0" eaLnBrk="1" latinLnBrk="0" hangingPunct="1">
+      <a:defRPr sz="1200" kern="1200">
+        <a:solidFill>
+          <a:schemeClr val="tx1"/>
+        </a:solidFill>
+        <a:latin typeface="+mn-lt"/>
+        <a:ea typeface="+mn-ea"/>
+        <a:cs typeface="+mn-cs"/>
+      </a:defRPr>
+    </a:lvl6pPr>
+    <a:lvl7pPr marL="2743200" algn="l" defTabSz="914400" rtl="0" eaLnBrk="1" latinLnBrk="0" hangingPunct="1">
+      <a:defRPr sz="1200" kern="1200">
+        <a:solidFill>
+          <a:schemeClr val="tx1"/>
+        </a:solidFill>
+        <a:latin typeface="+mn-lt"/>
+        <a:ea typeface="+mn-ea"/>
+        <a:cs typeface="+mn-cs"/>
+      </a:defRPr>
+    </a:lvl7pPr>
+    <a:lvl8pPr marL="3200400" algn="l" defTabSz="914400" rtl="0" eaLnBrk="1" latinLnBrk="0" hangingPunct="1">
+      <a:defRPr sz="1200" kern="1200">
+        <a:solidFill>
+          <a:schemeClr val="tx1"/>
+        </a:solidFill>
+        <a:latin typeface="+mn-lt"/>
+        <a:ea typeface="+mn-ea"/>
+        <a:cs typeface="+mn-cs"/>
+      </a:defRPr>
+    </a:lvl8pPr>
+    <a:lvl9pPr marL="3657600" algn="l" defTabSz="914400" rtl="0" eaLnBrk="1" latinLnBrk="0" hangingPunct="1">
+      <a:defRPr sz="1200" kern="1200">
+        <a:solidFill>
+          <a:schemeClr val="tx1"/>
+        </a:solidFill>
+        <a:latin typeface="+mn-lt"/>
+        <a:ea typeface="+mn-ea"/>
+        <a:cs typeface="+mn-cs"/>
+      </a:defRPr>
+    </a:lvl9pPr>
+  </p:notesStyle>
+</p:notesMaster>
+</file>
+
+<file path=ppt/notesSlides/notesSlide1.xml><?xml version="1.0" encoding="utf-8"?>
+<p:notes xmlns:a="http://schemas.openxmlformats.org/drawingml/2006/main" xmlns:r="http://schemas.openxmlformats.org/officeDocument/2006/relationships" xmlns:p="http://schemas.openxmlformats.org/presentationml/2006/main">
+  <p:cSld>
+    <p:spTree>
+      <p:nvGrpSpPr>
+        <p:cNvPr id="1" name=""/>
+        <p:cNvGrpSpPr/>
+        <p:nvPr/>
+      </p:nvGrpSpPr>
+      <p:grpSpPr>
+        <a:xfrm>
+          <a:off x="0" y="0"/>
+          <a:ext cx="0" cy="0"/>
+          <a:chOff x="0" y="0"/>
+          <a:chExt cx="0" cy="0"/>
+        </a:xfrm>
+      </p:grpSpPr>
+      <p:sp>
+        <p:nvSpPr>
+          <p:cNvPr id="2" name="Slide Image Placeholder 1"/>
+          <p:cNvSpPr>
+            <a:spLocks noGrp="1" noRot="1" noChangeAspect="1"/>
+          </p:cNvSpPr>
+          <p:nvPr>
+            <p:ph type="sldImg"/>
+          </p:nvPr>
+        </p:nvSpPr>
+        <p:spPr/>
+      </p:sp>
+      <p:sp>
+        <p:nvSpPr>
+          <p:cNvPr id="3" name="Notes Placeholder 2"/>
+          <p:cNvSpPr>
+            <a:spLocks noGrp="1"/>
+          </p:cNvSpPr>
+          <p:nvPr>
+            <p:ph type="body" idx="1"/>
+          </p:nvPr>
+        </p:nvSpPr>
+        <p:spPr/>
+        <p:txBody>
+          <a:bodyPr/>
+          <a:lstStyle/>
+          <a:p>
+            <a:endParaRPr lang="en-GB" dirty="0"/>
+          </a:p>
+        </p:txBody>
+      </p:sp>
+      <p:sp>
+        <p:nvSpPr>
+          <p:cNvPr id="4" name="Slide Number Placeholder 3"/>
+          <p:cNvSpPr>
+            <a:spLocks noGrp="1"/>
+          </p:cNvSpPr>
+          <p:nvPr>
+            <p:ph type="sldNum" sz="quarter" idx="10"/>
+          </p:nvPr>
+        </p:nvSpPr>
+        <p:spPr/>
+        <p:txBody>
+          <a:bodyPr/>
+          <a:lstStyle/>
+          <a:p>
+            <a:fld id="{C4235AF5-A46E-40AE-8978-574D8A09C7AA}" type="slidenum">
+              <a:rPr lang="en-GB" smtClean="0"/>
+              <a:t>20</a:t>
+            </a:fld>
+            <a:endParaRPr lang="en-GB"/>
+          </a:p>
+        </p:txBody>
+      </p:sp>
+    </p:spTree>
+    <p:extLst>
+      <p:ext uri="{BB962C8B-B14F-4D97-AF65-F5344CB8AC3E}">
+        <p14:creationId xmlns:p14="http://schemas.microsoft.com/office/powerpoint/2010/main" val="2223130337"/>
+      </p:ext>
+    </p:extLst>
+  </p:cSld>
+  <p:clrMapOvr>
+    <a:masterClrMapping/>
+  </p:clrMapOvr>
+</p:notes>
+</file>
+
 <file path=ppt/slideLayouts/slideLayout1.xml><?xml version="1.0" encoding="utf-8"?>
 <p:sldLayout xmlns:a="http://schemas.openxmlformats.org/drawingml/2006/main" xmlns:r="http://schemas.openxmlformats.org/officeDocument/2006/relationships" xmlns:p="http://schemas.openxmlformats.org/presentationml/2006/main" type="title" preserve="1">
   <p:cSld name="Title Slide">
@@ -291,7 +746,7 @@
             <a:fld id="{1D8BD707-D9CF-40AE-B4C6-C98DA3205C09}" type="datetimeFigureOut">
               <a:rPr lang="en-US" smtClean="0"/>
               <a:pPr/>
-              <a:t>5/21/2018</a:t>
+              <a:t>5/22/2018</a:t>
             </a:fld>
             <a:endParaRPr lang="en-US"/>
           </a:p>
@@ -458,7 +913,7 @@
             <a:fld id="{1D8BD707-D9CF-40AE-B4C6-C98DA3205C09}" type="datetimeFigureOut">
               <a:rPr lang="en-US" smtClean="0"/>
               <a:pPr/>
-              <a:t>5/21/2018</a:t>
+              <a:t>5/22/2018</a:t>
             </a:fld>
             <a:endParaRPr lang="en-US"/>
           </a:p>
@@ -635,7 +1090,7 @@
             <a:fld id="{1D8BD707-D9CF-40AE-B4C6-C98DA3205C09}" type="datetimeFigureOut">
               <a:rPr lang="en-US" smtClean="0"/>
               <a:pPr/>
-              <a:t>5/21/2018</a:t>
+              <a:t>5/22/2018</a:t>
             </a:fld>
             <a:endParaRPr lang="en-US"/>
           </a:p>
@@ -802,7 +1257,7 @@
             <a:fld id="{1D8BD707-D9CF-40AE-B4C6-C98DA3205C09}" type="datetimeFigureOut">
               <a:rPr lang="en-US" smtClean="0"/>
               <a:pPr/>
-              <a:t>5/21/2018</a:t>
+              <a:t>5/22/2018</a:t>
             </a:fld>
             <a:endParaRPr lang="en-US"/>
           </a:p>
@@ -1045,7 +1500,7 @@
             <a:fld id="{1D8BD707-D9CF-40AE-B4C6-C98DA3205C09}" type="datetimeFigureOut">
               <a:rPr lang="en-US" smtClean="0"/>
               <a:pPr/>
-              <a:t>5/21/2018</a:t>
+              <a:t>5/22/2018</a:t>
             </a:fld>
             <a:endParaRPr lang="en-US"/>
           </a:p>
@@ -1330,7 +1785,7 @@
             <a:fld id="{1D8BD707-D9CF-40AE-B4C6-C98DA3205C09}" type="datetimeFigureOut">
               <a:rPr lang="en-US" smtClean="0"/>
               <a:pPr/>
-              <a:t>5/21/2018</a:t>
+              <a:t>5/22/2018</a:t>
             </a:fld>
             <a:endParaRPr lang="en-US"/>
           </a:p>
@@ -1749,7 +2204,7 @@
             <a:fld id="{1D8BD707-D9CF-40AE-B4C6-C98DA3205C09}" type="datetimeFigureOut">
               <a:rPr lang="en-US" smtClean="0"/>
               <a:pPr/>
-              <a:t>5/21/2018</a:t>
+              <a:t>5/22/2018</a:t>
             </a:fld>
             <a:endParaRPr lang="en-US"/>
           </a:p>
@@ -1864,7 +2319,7 @@
             <a:fld id="{1D8BD707-D9CF-40AE-B4C6-C98DA3205C09}" type="datetimeFigureOut">
               <a:rPr lang="en-US" smtClean="0"/>
               <a:pPr/>
-              <a:t>5/21/2018</a:t>
+              <a:t>5/22/2018</a:t>
             </a:fld>
             <a:endParaRPr lang="en-US"/>
           </a:p>
@@ -1956,7 +2411,7 @@
             <a:fld id="{1D8BD707-D9CF-40AE-B4C6-C98DA3205C09}" type="datetimeFigureOut">
               <a:rPr lang="en-US" smtClean="0"/>
               <a:pPr/>
-              <a:t>5/21/2018</a:t>
+              <a:t>5/22/2018</a:t>
             </a:fld>
             <a:endParaRPr lang="en-US"/>
           </a:p>
@@ -2230,7 +2685,7 @@
             <a:fld id="{1D8BD707-D9CF-40AE-B4C6-C98DA3205C09}" type="datetimeFigureOut">
               <a:rPr lang="en-US" smtClean="0"/>
               <a:pPr/>
-              <a:t>5/21/2018</a:t>
+              <a:t>5/22/2018</a:t>
             </a:fld>
             <a:endParaRPr lang="en-US"/>
           </a:p>
@@ -2480,7 +2935,7 @@
             <a:fld id="{1D8BD707-D9CF-40AE-B4C6-C98DA3205C09}" type="datetimeFigureOut">
               <a:rPr lang="en-US" smtClean="0"/>
               <a:pPr/>
-              <a:t>5/21/2018</a:t>
+              <a:t>5/22/2018</a:t>
             </a:fld>
             <a:endParaRPr lang="en-US"/>
           </a:p>
@@ -2690,7 +3145,7 @@
             <a:fld id="{1D8BD707-D9CF-40AE-B4C6-C98DA3205C09}" type="datetimeFigureOut">
               <a:rPr lang="en-US" smtClean="0"/>
               <a:pPr/>
-              <a:t>5/21/2018</a:t>
+              <a:t>5/22/2018</a:t>
             </a:fld>
             <a:endParaRPr lang="en-US"/>
           </a:p>
@@ -3256,6 +3711,2408 @@
 </p:sld>
 </file>
 
+<file path=ppt/slides/slide10.xml><?xml version="1.0" encoding="utf-8"?>
+<p:sld xmlns:a="http://schemas.openxmlformats.org/drawingml/2006/main" xmlns:r="http://schemas.openxmlformats.org/officeDocument/2006/relationships" xmlns:p="http://schemas.openxmlformats.org/presentationml/2006/main">
+  <p:cSld>
+    <p:spTree>
+      <p:nvGrpSpPr>
+        <p:cNvPr id="1" name=""/>
+        <p:cNvGrpSpPr/>
+        <p:nvPr/>
+      </p:nvGrpSpPr>
+      <p:grpSpPr>
+        <a:xfrm>
+          <a:off x="0" y="0"/>
+          <a:ext cx="0" cy="0"/>
+          <a:chOff x="0" y="0"/>
+          <a:chExt cx="0" cy="0"/>
+        </a:xfrm>
+      </p:grpSpPr>
+      <p:sp>
+        <p:nvSpPr>
+          <p:cNvPr id="2" name="Title 1"/>
+          <p:cNvSpPr>
+            <a:spLocks noGrp="1"/>
+          </p:cNvSpPr>
+          <p:nvPr>
+            <p:ph type="title"/>
+          </p:nvPr>
+        </p:nvSpPr>
+        <p:spPr/>
+        <p:txBody>
+          <a:bodyPr/>
+          <a:lstStyle/>
+          <a:p>
+            <a:r>
+              <a:rPr lang="en-GB" dirty="0" err="1"/>
+              <a:t>Tính</a:t>
+            </a:r>
+            <a:r>
+              <a:rPr lang="en-GB" dirty="0"/>
+              <a:t> </a:t>
+            </a:r>
+            <a:r>
+              <a:rPr lang="en-GB" dirty="0" err="1"/>
+              <a:t>năng</a:t>
+            </a:r>
+            <a:r>
+              <a:rPr lang="en-GB" dirty="0"/>
+              <a:t> </a:t>
+            </a:r>
+            <a:r>
+              <a:rPr lang="en-GB" dirty="0" err="1"/>
+              <a:t>của</a:t>
+            </a:r>
+            <a:r>
+              <a:rPr lang="en-GB" dirty="0"/>
+              <a:t> </a:t>
+            </a:r>
+            <a:r>
+              <a:rPr lang="en-GB" dirty="0" err="1"/>
+              <a:t>jQuery</a:t>
+            </a:r>
+            <a:endParaRPr lang="en-GB" dirty="0"/>
+          </a:p>
+        </p:txBody>
+      </p:sp>
+      <p:sp>
+        <p:nvSpPr>
+          <p:cNvPr id="3" name="Content Placeholder 2"/>
+          <p:cNvSpPr>
+            <a:spLocks noGrp="1"/>
+          </p:cNvSpPr>
+          <p:nvPr>
+            <p:ph idx="1"/>
+          </p:nvPr>
+        </p:nvSpPr>
+        <p:spPr/>
+        <p:txBody>
+          <a:bodyPr>
+            <a:normAutofit/>
+          </a:bodyPr>
+          <a:lstStyle/>
+          <a:p>
+            <a:r>
+              <a:rPr lang="en-GB" dirty="0" smtClean="0"/>
+              <a:t>Events – </a:t>
+            </a:r>
+            <a:r>
+              <a:rPr lang="en-GB" dirty="0" err="1" smtClean="0"/>
+              <a:t>thao</a:t>
+            </a:r>
+            <a:r>
+              <a:rPr lang="en-GB" dirty="0" smtClean="0"/>
+              <a:t> </a:t>
+            </a:r>
+            <a:r>
+              <a:rPr lang="en-GB" dirty="0" err="1" smtClean="0"/>
+              <a:t>tác</a:t>
+            </a:r>
+            <a:r>
+              <a:rPr lang="en-GB" dirty="0" smtClean="0"/>
+              <a:t> </a:t>
+            </a:r>
+            <a:r>
+              <a:rPr lang="en-GB" dirty="0" err="1" smtClean="0"/>
+              <a:t>người</a:t>
+            </a:r>
+            <a:r>
+              <a:rPr lang="en-GB" dirty="0" smtClean="0"/>
+              <a:t> </a:t>
+            </a:r>
+            <a:r>
+              <a:rPr lang="en-GB" dirty="0" err="1" smtClean="0"/>
+              <a:t>dùng</a:t>
+            </a:r>
+            <a:endParaRPr lang="en-GB" dirty="0" smtClean="0"/>
+          </a:p>
+          <a:p>
+            <a:pPr lvl="1"/>
+            <a:r>
+              <a:rPr lang="en-GB" dirty="0" smtClean="0"/>
+              <a:t>click</a:t>
+            </a:r>
+          </a:p>
+          <a:p>
+            <a:pPr lvl="1"/>
+            <a:r>
+              <a:rPr lang="en-GB" dirty="0" smtClean="0"/>
+              <a:t>.on</a:t>
+            </a:r>
+          </a:p>
+          <a:p>
+            <a:pPr lvl="1"/>
+            <a:r>
+              <a:rPr lang="en-GB" dirty="0" smtClean="0"/>
+              <a:t>.one</a:t>
+            </a:r>
+          </a:p>
+          <a:p>
+            <a:r>
+              <a:rPr lang="en-GB" dirty="0" err="1" smtClean="0"/>
+              <a:t>Hiệu</a:t>
+            </a:r>
+            <a:r>
+              <a:rPr lang="en-GB" dirty="0" smtClean="0"/>
+              <a:t> </a:t>
+            </a:r>
+            <a:r>
+              <a:rPr lang="en-GB" dirty="0" err="1" smtClean="0"/>
+              <a:t>ứng</a:t>
+            </a:r>
+            <a:endParaRPr lang="en-GB" dirty="0" smtClean="0"/>
+          </a:p>
+          <a:p>
+            <a:pPr lvl="1"/>
+            <a:r>
+              <a:rPr lang="en-GB" dirty="0" smtClean="0"/>
+              <a:t>Hide(), show(), </a:t>
+            </a:r>
+          </a:p>
+          <a:p>
+            <a:pPr lvl="1"/>
+            <a:r>
+              <a:rPr lang="en-GB" dirty="0" smtClean="0"/>
+              <a:t>animate()</a:t>
+            </a:r>
+          </a:p>
+          <a:p>
+            <a:r>
+              <a:rPr lang="en-GB" dirty="0" smtClean="0"/>
+              <a:t>Ajax</a:t>
+            </a:r>
+          </a:p>
+        </p:txBody>
+      </p:sp>
+    </p:spTree>
+    <p:extLst>
+      <p:ext uri="{BB962C8B-B14F-4D97-AF65-F5344CB8AC3E}">
+        <p14:creationId xmlns:p14="http://schemas.microsoft.com/office/powerpoint/2010/main" val="3430958160"/>
+      </p:ext>
+    </p:extLst>
+  </p:cSld>
+  <p:clrMapOvr>
+    <a:masterClrMapping/>
+  </p:clrMapOvr>
+</p:sld>
+</file>
+
+<file path=ppt/slides/slide11.xml><?xml version="1.0" encoding="utf-8"?>
+<p:sld xmlns:a="http://schemas.openxmlformats.org/drawingml/2006/main" xmlns:r="http://schemas.openxmlformats.org/officeDocument/2006/relationships" xmlns:p="http://schemas.openxmlformats.org/presentationml/2006/main">
+  <p:cSld>
+    <p:spTree>
+      <p:nvGrpSpPr>
+        <p:cNvPr id="1" name=""/>
+        <p:cNvGrpSpPr/>
+        <p:nvPr/>
+      </p:nvGrpSpPr>
+      <p:grpSpPr>
+        <a:xfrm>
+          <a:off x="0" y="0"/>
+          <a:ext cx="0" cy="0"/>
+          <a:chOff x="0" y="0"/>
+          <a:chExt cx="0" cy="0"/>
+        </a:xfrm>
+      </p:grpSpPr>
+      <p:sp>
+        <p:nvSpPr>
+          <p:cNvPr id="2" name="Title 1"/>
+          <p:cNvSpPr>
+            <a:spLocks noGrp="1"/>
+          </p:cNvSpPr>
+          <p:nvPr>
+            <p:ph type="title"/>
+          </p:nvPr>
+        </p:nvSpPr>
+        <p:spPr/>
+        <p:txBody>
+          <a:bodyPr/>
+          <a:lstStyle/>
+          <a:p>
+            <a:r>
+              <a:rPr lang="en-GB" dirty="0" smtClean="0"/>
+              <a:t>Document ready (Events)</a:t>
+            </a:r>
+            <a:endParaRPr lang="en-GB" dirty="0"/>
+          </a:p>
+        </p:txBody>
+      </p:sp>
+      <p:sp>
+        <p:nvSpPr>
+          <p:cNvPr id="3" name="Content Placeholder 2"/>
+          <p:cNvSpPr>
+            <a:spLocks noGrp="1"/>
+          </p:cNvSpPr>
+          <p:nvPr>
+            <p:ph idx="1"/>
+          </p:nvPr>
+        </p:nvSpPr>
+        <p:spPr>
+          <a:xfrm>
+            <a:off x="457200" y="1600201"/>
+            <a:ext cx="8229600" cy="2209800"/>
+          </a:xfrm>
+        </p:spPr>
+        <p:style>
+          <a:lnRef idx="2">
+            <a:schemeClr val="accent3"/>
+          </a:lnRef>
+          <a:fillRef idx="1">
+            <a:schemeClr val="lt1"/>
+          </a:fillRef>
+          <a:effectRef idx="0">
+            <a:schemeClr val="accent3"/>
+          </a:effectRef>
+          <a:fontRef idx="minor">
+            <a:schemeClr val="dk1"/>
+          </a:fontRef>
+        </p:style>
+        <p:txBody>
+          <a:bodyPr>
+            <a:normAutofit/>
+          </a:bodyPr>
+          <a:lstStyle/>
+          <a:p>
+            <a:pPr marL="0" indent="0">
+              <a:buNone/>
+            </a:pPr>
+            <a:r>
+              <a:rPr lang="en-US" dirty="0"/>
+              <a:t>$(document).ready(function(){</a:t>
+            </a:r>
+            <a:br>
+              <a:rPr lang="en-US" dirty="0"/>
+            </a:br>
+            <a:r>
+              <a:rPr lang="en-US" dirty="0" smtClean="0"/>
+              <a:t>       //</a:t>
+            </a:r>
+            <a:r>
+              <a:rPr lang="en-US" dirty="0" err="1" smtClean="0"/>
+              <a:t>cài</a:t>
+            </a:r>
+            <a:r>
+              <a:rPr lang="en-US" dirty="0" smtClean="0"/>
+              <a:t> </a:t>
+            </a:r>
+            <a:r>
+              <a:rPr lang="en-US" dirty="0" err="1" smtClean="0"/>
+              <a:t>đặt</a:t>
+            </a:r>
+            <a:r>
+              <a:rPr lang="en-US" dirty="0" smtClean="0"/>
+              <a:t> </a:t>
+            </a:r>
+            <a:r>
+              <a:rPr lang="en-US" dirty="0" err="1" smtClean="0"/>
+              <a:t>các</a:t>
+            </a:r>
+            <a:r>
+              <a:rPr lang="en-US" dirty="0" smtClean="0"/>
+              <a:t> </a:t>
+            </a:r>
+            <a:r>
+              <a:rPr lang="en-US" dirty="0" err="1" smtClean="0"/>
+              <a:t>hàm</a:t>
+            </a:r>
+            <a:r>
+              <a:rPr lang="en-US" dirty="0" smtClean="0"/>
+              <a:t> </a:t>
+            </a:r>
+            <a:r>
+              <a:rPr lang="en-US" dirty="0" err="1" smtClean="0"/>
+              <a:t>khởi</a:t>
+            </a:r>
+            <a:r>
+              <a:rPr lang="en-US" dirty="0" smtClean="0"/>
+              <a:t> </a:t>
+            </a:r>
+            <a:r>
+              <a:rPr lang="en-US" dirty="0" err="1" smtClean="0"/>
+              <a:t>động</a:t>
+            </a:r>
+            <a:r>
+              <a:rPr lang="en-US" dirty="0"/>
+              <a:t/>
+            </a:r>
+            <a:br>
+              <a:rPr lang="en-US" dirty="0"/>
+            </a:br>
+            <a:r>
+              <a:rPr lang="en-US" dirty="0" smtClean="0"/>
+              <a:t>});</a:t>
+            </a:r>
+            <a:endParaRPr lang="en-GB" dirty="0"/>
+          </a:p>
+        </p:txBody>
+      </p:sp>
+      <p:sp>
+        <p:nvSpPr>
+          <p:cNvPr id="4" name="TextBox 3"/>
+          <p:cNvSpPr txBox="1"/>
+          <p:nvPr/>
+        </p:nvSpPr>
+        <p:spPr>
+          <a:xfrm>
+            <a:off x="2362200" y="5638800"/>
+            <a:ext cx="184731" cy="369332"/>
+          </a:xfrm>
+          <a:prstGeom prst="rect">
+            <a:avLst/>
+          </a:prstGeom>
+          <a:noFill/>
+        </p:spPr>
+        <p:txBody>
+          <a:bodyPr wrap="none" rtlCol="0">
+            <a:spAutoFit/>
+          </a:bodyPr>
+          <a:lstStyle/>
+          <a:p>
+            <a:endParaRPr lang="en-GB" dirty="0"/>
+          </a:p>
+        </p:txBody>
+      </p:sp>
+      <p:sp>
+        <p:nvSpPr>
+          <p:cNvPr id="7" name="TextBox 6"/>
+          <p:cNvSpPr txBox="1"/>
+          <p:nvPr/>
+        </p:nvSpPr>
+        <p:spPr>
+          <a:xfrm>
+            <a:off x="1371600" y="4800600"/>
+            <a:ext cx="6913239" cy="461665"/>
+          </a:xfrm>
+          <a:prstGeom prst="rect">
+            <a:avLst/>
+          </a:prstGeom>
+          <a:noFill/>
+        </p:spPr>
+        <p:txBody>
+          <a:bodyPr wrap="none" rtlCol="0">
+            <a:spAutoFit/>
+          </a:bodyPr>
+          <a:lstStyle/>
+          <a:p>
+            <a:r>
+              <a:rPr lang="en-GB" sz="2400" dirty="0" smtClean="0"/>
+              <a:t>document ready </a:t>
+            </a:r>
+            <a:r>
+              <a:rPr lang="en-GB" sz="2400" dirty="0" err="1" smtClean="0"/>
+              <a:t>để</a:t>
+            </a:r>
+            <a:r>
+              <a:rPr lang="en-GB" sz="2400" dirty="0" smtClean="0"/>
+              <a:t> </a:t>
+            </a:r>
+            <a:r>
+              <a:rPr lang="en-GB" sz="2400" dirty="0" err="1" smtClean="0"/>
+              <a:t>cài</a:t>
+            </a:r>
+            <a:r>
+              <a:rPr lang="en-GB" sz="2400" dirty="0" smtClean="0"/>
+              <a:t> </a:t>
+            </a:r>
+            <a:r>
+              <a:rPr lang="en-GB" sz="2400" dirty="0" err="1" smtClean="0"/>
+              <a:t>đặt</a:t>
+            </a:r>
+            <a:r>
+              <a:rPr lang="en-GB" sz="2400" dirty="0" smtClean="0"/>
+              <a:t> </a:t>
+            </a:r>
+            <a:r>
+              <a:rPr lang="en-GB" sz="2400" dirty="0" err="1" smtClean="0"/>
+              <a:t>các</a:t>
+            </a:r>
+            <a:r>
+              <a:rPr lang="en-GB" sz="2400" dirty="0" smtClean="0"/>
+              <a:t> Events, </a:t>
+            </a:r>
+            <a:r>
+              <a:rPr lang="en-GB" sz="2400" dirty="0" err="1" smtClean="0"/>
+              <a:t>hàm</a:t>
+            </a:r>
+            <a:r>
+              <a:rPr lang="en-GB" sz="2400" dirty="0" smtClean="0"/>
+              <a:t> </a:t>
+            </a:r>
+            <a:r>
+              <a:rPr lang="en-GB" sz="2400" dirty="0" err="1" smtClean="0"/>
+              <a:t>khởi</a:t>
+            </a:r>
+            <a:r>
+              <a:rPr lang="en-GB" sz="2400" dirty="0" smtClean="0"/>
+              <a:t> </a:t>
+            </a:r>
+            <a:r>
+              <a:rPr lang="en-GB" sz="2400" dirty="0" err="1" smtClean="0"/>
+              <a:t>động</a:t>
+            </a:r>
+            <a:endParaRPr lang="en-GB" sz="2400" dirty="0"/>
+          </a:p>
+        </p:txBody>
+      </p:sp>
+    </p:spTree>
+    <p:extLst>
+      <p:ext uri="{BB962C8B-B14F-4D97-AF65-F5344CB8AC3E}">
+        <p14:creationId xmlns:p14="http://schemas.microsoft.com/office/powerpoint/2010/main" val="1695449492"/>
+      </p:ext>
+    </p:extLst>
+  </p:cSld>
+  <p:clrMapOvr>
+    <a:masterClrMapping/>
+  </p:clrMapOvr>
+</p:sld>
+</file>
+
+<file path=ppt/slides/slide12.xml><?xml version="1.0" encoding="utf-8"?>
+<p:sld xmlns:a="http://schemas.openxmlformats.org/drawingml/2006/main" xmlns:r="http://schemas.openxmlformats.org/officeDocument/2006/relationships" xmlns:p="http://schemas.openxmlformats.org/presentationml/2006/main">
+  <p:cSld>
+    <p:spTree>
+      <p:nvGrpSpPr>
+        <p:cNvPr id="1" name=""/>
+        <p:cNvGrpSpPr/>
+        <p:nvPr/>
+      </p:nvGrpSpPr>
+      <p:grpSpPr>
+        <a:xfrm>
+          <a:off x="0" y="0"/>
+          <a:ext cx="0" cy="0"/>
+          <a:chOff x="0" y="0"/>
+          <a:chExt cx="0" cy="0"/>
+        </a:xfrm>
+      </p:grpSpPr>
+      <p:sp>
+        <p:nvSpPr>
+          <p:cNvPr id="2" name="Title 1"/>
+          <p:cNvSpPr>
+            <a:spLocks noGrp="1"/>
+          </p:cNvSpPr>
+          <p:nvPr>
+            <p:ph type="title"/>
+          </p:nvPr>
+        </p:nvSpPr>
+        <p:spPr/>
+        <p:txBody>
+          <a:bodyPr/>
+          <a:lstStyle/>
+          <a:p>
+            <a:r>
+              <a:rPr lang="en-GB" dirty="0" err="1"/>
+              <a:t>o</a:t>
+            </a:r>
+            <a:r>
+              <a:rPr lang="en-GB" dirty="0" err="1" smtClean="0"/>
+              <a:t>nclick</a:t>
+            </a:r>
+            <a:r>
+              <a:rPr lang="en-GB" dirty="0" smtClean="0"/>
+              <a:t> </a:t>
+            </a:r>
+            <a:r>
+              <a:rPr lang="en-GB" dirty="0" err="1" smtClean="0"/>
+              <a:t>trong</a:t>
+            </a:r>
+            <a:r>
+              <a:rPr lang="en-GB" dirty="0" smtClean="0"/>
+              <a:t> JS</a:t>
+            </a:r>
+            <a:endParaRPr lang="en-GB" dirty="0"/>
+          </a:p>
+        </p:txBody>
+      </p:sp>
+      <p:sp>
+        <p:nvSpPr>
+          <p:cNvPr id="3" name="Content Placeholder 2"/>
+          <p:cNvSpPr>
+            <a:spLocks noGrp="1"/>
+          </p:cNvSpPr>
+          <p:nvPr>
+            <p:ph idx="1"/>
+          </p:nvPr>
+        </p:nvSpPr>
+        <p:spPr/>
+        <p:txBody>
+          <a:bodyPr>
+            <a:normAutofit/>
+          </a:bodyPr>
+          <a:lstStyle/>
+          <a:p>
+            <a:r>
+              <a:rPr lang="en-US" dirty="0" smtClean="0"/>
+              <a:t>HTML:</a:t>
+            </a:r>
+          </a:p>
+          <a:p>
+            <a:pPr marL="457200" lvl="1" indent="0">
+              <a:buNone/>
+            </a:pPr>
+            <a:r>
+              <a:rPr lang="en-US" dirty="0" smtClean="0">
+                <a:solidFill>
+                  <a:srgbClr val="FF0000"/>
+                </a:solidFill>
+              </a:rPr>
+              <a:t>&lt;button </a:t>
+            </a:r>
+            <a:r>
+              <a:rPr lang="en-US" dirty="0" err="1">
+                <a:solidFill>
+                  <a:srgbClr val="FF0000"/>
+                </a:solidFill>
+              </a:rPr>
+              <a:t>onclick</a:t>
+            </a:r>
+            <a:r>
+              <a:rPr lang="en-US" dirty="0">
+                <a:solidFill>
+                  <a:srgbClr val="FF0000"/>
+                </a:solidFill>
+              </a:rPr>
+              <a:t>=”</a:t>
+            </a:r>
+            <a:r>
+              <a:rPr lang="en-US" dirty="0" err="1">
+                <a:solidFill>
+                  <a:srgbClr val="FF0000"/>
+                </a:solidFill>
+              </a:rPr>
+              <a:t>myFunction</a:t>
+            </a:r>
+            <a:r>
+              <a:rPr lang="en-US" dirty="0">
+                <a:solidFill>
+                  <a:srgbClr val="FF0000"/>
+                </a:solidFill>
+              </a:rPr>
+              <a:t>()”&gt; &lt;button</a:t>
+            </a:r>
+            <a:r>
+              <a:rPr lang="en-US" dirty="0" smtClean="0">
+                <a:solidFill>
+                  <a:srgbClr val="FF0000"/>
+                </a:solidFill>
+              </a:rPr>
+              <a:t>&gt;</a:t>
+            </a:r>
+          </a:p>
+          <a:p>
+            <a:r>
+              <a:rPr lang="en-GB" dirty="0" smtClean="0"/>
+              <a:t>JS:</a:t>
+            </a:r>
+          </a:p>
+          <a:p>
+            <a:pPr marL="400050" lvl="1" indent="0">
+              <a:buNone/>
+            </a:pPr>
+            <a:r>
+              <a:rPr lang="en-US" dirty="0">
+                <a:solidFill>
+                  <a:srgbClr val="FF0000"/>
+                </a:solidFill>
+              </a:rPr>
+              <a:t>&lt;script&gt;</a:t>
+            </a:r>
+            <a:endParaRPr lang="en-GB" dirty="0">
+              <a:solidFill>
+                <a:srgbClr val="FF0000"/>
+              </a:solidFill>
+            </a:endParaRPr>
+          </a:p>
+          <a:p>
+            <a:pPr marL="800100" lvl="2" indent="0">
+              <a:buNone/>
+            </a:pPr>
+            <a:r>
+              <a:rPr lang="en-US" dirty="0" smtClean="0">
+                <a:solidFill>
+                  <a:srgbClr val="FF0000"/>
+                </a:solidFill>
+              </a:rPr>
+              <a:t>function </a:t>
+            </a:r>
+            <a:r>
+              <a:rPr lang="en-US" dirty="0" err="1">
+                <a:solidFill>
+                  <a:srgbClr val="FF0000"/>
+                </a:solidFill>
+              </a:rPr>
+              <a:t>myFunction</a:t>
+            </a:r>
+            <a:r>
+              <a:rPr lang="en-US" dirty="0">
+                <a:solidFill>
+                  <a:srgbClr val="FF0000"/>
+                </a:solidFill>
+              </a:rPr>
+              <a:t>(){</a:t>
+            </a:r>
+            <a:endParaRPr lang="en-GB" dirty="0">
+              <a:solidFill>
+                <a:srgbClr val="FF0000"/>
+              </a:solidFill>
+            </a:endParaRPr>
+          </a:p>
+          <a:p>
+            <a:pPr marL="800100" lvl="2" indent="0">
+              <a:buNone/>
+            </a:pPr>
+            <a:r>
+              <a:rPr lang="en-US" dirty="0">
+                <a:solidFill>
+                  <a:srgbClr val="FF0000"/>
+                </a:solidFill>
+              </a:rPr>
+              <a:t> </a:t>
+            </a:r>
+            <a:endParaRPr lang="en-GB" dirty="0">
+              <a:solidFill>
+                <a:srgbClr val="FF0000"/>
+              </a:solidFill>
+            </a:endParaRPr>
+          </a:p>
+          <a:p>
+            <a:pPr marL="800100" lvl="2" indent="0">
+              <a:buNone/>
+            </a:pPr>
+            <a:r>
+              <a:rPr lang="en-US" dirty="0">
+                <a:solidFill>
+                  <a:srgbClr val="FF0000"/>
+                </a:solidFill>
+              </a:rPr>
+              <a:t>}</a:t>
+            </a:r>
+            <a:endParaRPr lang="en-GB" dirty="0">
+              <a:solidFill>
+                <a:srgbClr val="FF0000"/>
+              </a:solidFill>
+            </a:endParaRPr>
+          </a:p>
+          <a:p>
+            <a:pPr marL="400050" lvl="1" indent="0">
+              <a:buNone/>
+            </a:pPr>
+            <a:r>
+              <a:rPr lang="en-US" dirty="0">
+                <a:solidFill>
+                  <a:srgbClr val="FF0000"/>
+                </a:solidFill>
+              </a:rPr>
+              <a:t>&lt;/script&gt;</a:t>
+            </a:r>
+            <a:endParaRPr lang="en-GB" dirty="0">
+              <a:solidFill>
+                <a:srgbClr val="FF0000"/>
+              </a:solidFill>
+            </a:endParaRPr>
+          </a:p>
+        </p:txBody>
+      </p:sp>
+    </p:spTree>
+    <p:extLst>
+      <p:ext uri="{BB962C8B-B14F-4D97-AF65-F5344CB8AC3E}">
+        <p14:creationId xmlns:p14="http://schemas.microsoft.com/office/powerpoint/2010/main" val="2121461439"/>
+      </p:ext>
+    </p:extLst>
+  </p:cSld>
+  <p:clrMapOvr>
+    <a:masterClrMapping/>
+  </p:clrMapOvr>
+</p:sld>
+</file>
+
+<file path=ppt/slides/slide13.xml><?xml version="1.0" encoding="utf-8"?>
+<p:sld xmlns:a="http://schemas.openxmlformats.org/drawingml/2006/main" xmlns:r="http://schemas.openxmlformats.org/officeDocument/2006/relationships" xmlns:p="http://schemas.openxmlformats.org/presentationml/2006/main">
+  <p:cSld>
+    <p:spTree>
+      <p:nvGrpSpPr>
+        <p:cNvPr id="1" name=""/>
+        <p:cNvGrpSpPr/>
+        <p:nvPr/>
+      </p:nvGrpSpPr>
+      <p:grpSpPr>
+        <a:xfrm>
+          <a:off x="0" y="0"/>
+          <a:ext cx="0" cy="0"/>
+          <a:chOff x="0" y="0"/>
+          <a:chExt cx="0" cy="0"/>
+        </a:xfrm>
+      </p:grpSpPr>
+      <p:sp>
+        <p:nvSpPr>
+          <p:cNvPr id="2" name="Title 1"/>
+          <p:cNvSpPr>
+            <a:spLocks noGrp="1"/>
+          </p:cNvSpPr>
+          <p:nvPr>
+            <p:ph type="title"/>
+          </p:nvPr>
+        </p:nvSpPr>
+        <p:spPr/>
+        <p:txBody>
+          <a:bodyPr/>
+          <a:lstStyle/>
+          <a:p>
+            <a:r>
+              <a:rPr lang="en-GB" dirty="0" smtClean="0"/>
+              <a:t>Click </a:t>
+            </a:r>
+            <a:r>
+              <a:rPr lang="en-GB" dirty="0" err="1" smtClean="0"/>
+              <a:t>trong</a:t>
+            </a:r>
+            <a:r>
+              <a:rPr lang="en-GB" dirty="0" smtClean="0"/>
+              <a:t> </a:t>
+            </a:r>
+            <a:r>
+              <a:rPr lang="en-GB" dirty="0" err="1" smtClean="0"/>
+              <a:t>jQuery</a:t>
+            </a:r>
+            <a:endParaRPr lang="en-GB" dirty="0"/>
+          </a:p>
+        </p:txBody>
+      </p:sp>
+      <p:sp>
+        <p:nvSpPr>
+          <p:cNvPr id="3" name="Content Placeholder 2"/>
+          <p:cNvSpPr>
+            <a:spLocks noGrp="1"/>
+          </p:cNvSpPr>
+          <p:nvPr>
+            <p:ph idx="1"/>
+          </p:nvPr>
+        </p:nvSpPr>
+        <p:spPr/>
+        <p:txBody>
+          <a:bodyPr/>
+          <a:lstStyle/>
+          <a:p>
+            <a:r>
+              <a:rPr lang="en-GB" dirty="0" smtClean="0"/>
+              <a:t>HTML:</a:t>
+            </a:r>
+          </a:p>
+          <a:p>
+            <a:pPr marL="457200" lvl="1" indent="0">
+              <a:buNone/>
+            </a:pPr>
+            <a:r>
+              <a:rPr lang="en-US" dirty="0">
+                <a:solidFill>
+                  <a:srgbClr val="FF0000"/>
+                </a:solidFill>
+              </a:rPr>
+              <a:t>&lt;button </a:t>
+            </a:r>
+            <a:r>
+              <a:rPr lang="en-US" dirty="0" smtClean="0">
+                <a:solidFill>
+                  <a:srgbClr val="FF0000"/>
+                </a:solidFill>
+              </a:rPr>
+              <a:t>class</a:t>
+            </a:r>
+            <a:r>
+              <a:rPr lang="en-US" dirty="0">
+                <a:solidFill>
+                  <a:srgbClr val="FF0000"/>
+                </a:solidFill>
+              </a:rPr>
+              <a:t>=”</a:t>
+            </a:r>
+            <a:r>
+              <a:rPr lang="en-US" dirty="0" err="1">
+                <a:solidFill>
+                  <a:srgbClr val="FF0000"/>
+                </a:solidFill>
+              </a:rPr>
+              <a:t>myButton</a:t>
+            </a:r>
+            <a:r>
+              <a:rPr lang="en-US" dirty="0">
+                <a:solidFill>
+                  <a:srgbClr val="FF0000"/>
+                </a:solidFill>
+              </a:rPr>
+              <a:t>”&gt; &lt;button</a:t>
+            </a:r>
+            <a:r>
+              <a:rPr lang="en-US" dirty="0" smtClean="0">
+                <a:solidFill>
+                  <a:srgbClr val="FF0000"/>
+                </a:solidFill>
+              </a:rPr>
+              <a:t>&gt;</a:t>
+            </a:r>
+          </a:p>
+          <a:p>
+            <a:pPr marL="514350" indent="-457200"/>
+            <a:r>
+              <a:rPr lang="en-US" dirty="0" err="1" smtClean="0"/>
+              <a:t>jQuery</a:t>
+            </a:r>
+            <a:r>
+              <a:rPr lang="en-US" dirty="0" smtClean="0"/>
+              <a:t>:</a:t>
+            </a:r>
+          </a:p>
+          <a:p>
+            <a:pPr marL="457200" lvl="1" indent="0">
+              <a:buNone/>
+            </a:pPr>
+            <a:r>
+              <a:rPr lang="en-US" dirty="0">
+                <a:solidFill>
+                  <a:srgbClr val="FF0000"/>
+                </a:solidFill>
+              </a:rPr>
+              <a:t>$(document).ready(function(){</a:t>
+            </a:r>
+            <a:br>
+              <a:rPr lang="en-US" dirty="0">
+                <a:solidFill>
+                  <a:srgbClr val="FF0000"/>
+                </a:solidFill>
+              </a:rPr>
+            </a:br>
+            <a:r>
+              <a:rPr lang="en-US" dirty="0">
+                <a:solidFill>
+                  <a:srgbClr val="FF0000"/>
+                </a:solidFill>
+              </a:rPr>
+              <a:t/>
+            </a:r>
+            <a:br>
+              <a:rPr lang="en-US" dirty="0">
+                <a:solidFill>
+                  <a:srgbClr val="FF0000"/>
+                </a:solidFill>
+              </a:rPr>
+            </a:br>
+            <a:r>
+              <a:rPr lang="en-US" dirty="0">
+                <a:solidFill>
+                  <a:srgbClr val="FF0000"/>
+                </a:solidFill>
+              </a:rPr>
+              <a:t>   $(</a:t>
+            </a:r>
+            <a:r>
+              <a:rPr lang="en-US" dirty="0" err="1">
+                <a:solidFill>
+                  <a:srgbClr val="FF0000"/>
+                </a:solidFill>
+              </a:rPr>
+              <a:t>button.myButton</a:t>
+            </a:r>
+            <a:r>
+              <a:rPr lang="en-US" dirty="0">
+                <a:solidFill>
+                  <a:srgbClr val="FF0000"/>
+                </a:solidFill>
+              </a:rPr>
+              <a:t>").click(</a:t>
+            </a:r>
+            <a:r>
+              <a:rPr lang="en-US" dirty="0" err="1">
+                <a:solidFill>
+                  <a:srgbClr val="FF0000"/>
+                </a:solidFill>
+              </a:rPr>
+              <a:t>myFunction</a:t>
+            </a:r>
+            <a:r>
+              <a:rPr lang="en-US" dirty="0">
+                <a:solidFill>
+                  <a:srgbClr val="FF0000"/>
+                </a:solidFill>
+              </a:rPr>
+              <a:t>);</a:t>
+            </a:r>
+            <a:br>
+              <a:rPr lang="en-US" dirty="0">
+                <a:solidFill>
+                  <a:srgbClr val="FF0000"/>
+                </a:solidFill>
+              </a:rPr>
+            </a:br>
+            <a:r>
+              <a:rPr lang="en-US" dirty="0" smtClean="0">
+                <a:solidFill>
+                  <a:srgbClr val="FF0000"/>
+                </a:solidFill>
+              </a:rPr>
+              <a:t>});</a:t>
+            </a:r>
+          </a:p>
+          <a:p>
+            <a:pPr marL="457200" lvl="1" indent="0">
+              <a:buNone/>
+            </a:pPr>
+            <a:r>
+              <a:rPr lang="en-US" dirty="0">
+                <a:solidFill>
+                  <a:srgbClr val="FF0000"/>
+                </a:solidFill>
+              </a:rPr>
+              <a:t>function </a:t>
+            </a:r>
+            <a:r>
+              <a:rPr lang="en-US" dirty="0" err="1">
+                <a:solidFill>
+                  <a:srgbClr val="FF0000"/>
+                </a:solidFill>
+              </a:rPr>
+              <a:t>myFunction</a:t>
+            </a:r>
+            <a:r>
+              <a:rPr lang="en-US" dirty="0" smtClean="0">
+                <a:solidFill>
+                  <a:srgbClr val="FF0000"/>
+                </a:solidFill>
+              </a:rPr>
+              <a:t>(){}</a:t>
+            </a:r>
+            <a:endParaRPr lang="en-GB" dirty="0">
+              <a:solidFill>
+                <a:srgbClr val="FF0000"/>
+              </a:solidFill>
+            </a:endParaRPr>
+          </a:p>
+          <a:p>
+            <a:pPr marL="457200" lvl="1" indent="0">
+              <a:buNone/>
+            </a:pPr>
+            <a:endParaRPr lang="en-GB" dirty="0"/>
+          </a:p>
+          <a:p>
+            <a:pPr marL="457200" lvl="1" indent="0">
+              <a:buNone/>
+            </a:pPr>
+            <a:endParaRPr lang="en-GB" dirty="0"/>
+          </a:p>
+        </p:txBody>
+      </p:sp>
+    </p:spTree>
+    <p:extLst>
+      <p:ext uri="{BB962C8B-B14F-4D97-AF65-F5344CB8AC3E}">
+        <p14:creationId xmlns:p14="http://schemas.microsoft.com/office/powerpoint/2010/main" val="1850755124"/>
+      </p:ext>
+    </p:extLst>
+  </p:cSld>
+  <p:clrMapOvr>
+    <a:masterClrMapping/>
+  </p:clrMapOvr>
+</p:sld>
+</file>
+
+<file path=ppt/slides/slide14.xml><?xml version="1.0" encoding="utf-8"?>
+<p:sld xmlns:a="http://schemas.openxmlformats.org/drawingml/2006/main" xmlns:r="http://schemas.openxmlformats.org/officeDocument/2006/relationships" xmlns:p="http://schemas.openxmlformats.org/presentationml/2006/main">
+  <p:cSld>
+    <p:spTree>
+      <p:nvGrpSpPr>
+        <p:cNvPr id="1" name=""/>
+        <p:cNvGrpSpPr/>
+        <p:nvPr/>
+      </p:nvGrpSpPr>
+      <p:grpSpPr>
+        <a:xfrm>
+          <a:off x="0" y="0"/>
+          <a:ext cx="0" cy="0"/>
+          <a:chOff x="0" y="0"/>
+          <a:chExt cx="0" cy="0"/>
+        </a:xfrm>
+      </p:grpSpPr>
+      <p:sp>
+        <p:nvSpPr>
+          <p:cNvPr id="2" name="Title 1"/>
+          <p:cNvSpPr>
+            <a:spLocks noGrp="1"/>
+          </p:cNvSpPr>
+          <p:nvPr>
+            <p:ph type="title"/>
+          </p:nvPr>
+        </p:nvSpPr>
+        <p:spPr/>
+        <p:txBody>
+          <a:bodyPr/>
+          <a:lstStyle/>
+          <a:p>
+            <a:r>
+              <a:rPr lang="en-GB" dirty="0" smtClean="0"/>
+              <a:t>.style </a:t>
+            </a:r>
+            <a:r>
+              <a:rPr lang="en-GB" dirty="0" err="1" smtClean="0"/>
+              <a:t>vs</a:t>
+            </a:r>
+            <a:r>
+              <a:rPr lang="en-GB" dirty="0" smtClean="0"/>
+              <a:t> .</a:t>
+            </a:r>
+            <a:r>
+              <a:rPr lang="en-GB" dirty="0" err="1" smtClean="0"/>
+              <a:t>css</a:t>
+            </a:r>
+            <a:r>
+              <a:rPr lang="en-GB" dirty="0" smtClean="0"/>
+              <a:t> </a:t>
+            </a:r>
+            <a:endParaRPr lang="en-GB" dirty="0"/>
+          </a:p>
+        </p:txBody>
+      </p:sp>
+      <p:sp>
+        <p:nvSpPr>
+          <p:cNvPr id="3" name="Content Placeholder 2"/>
+          <p:cNvSpPr>
+            <a:spLocks noGrp="1"/>
+          </p:cNvSpPr>
+          <p:nvPr>
+            <p:ph idx="1"/>
+          </p:nvPr>
+        </p:nvSpPr>
+        <p:spPr>
+          <a:xfrm>
+            <a:off x="457200" y="1600201"/>
+            <a:ext cx="8229600" cy="3429000"/>
+          </a:xfrm>
+        </p:spPr>
+        <p:style>
+          <a:lnRef idx="2">
+            <a:schemeClr val="accent3"/>
+          </a:lnRef>
+          <a:fillRef idx="1">
+            <a:schemeClr val="lt1"/>
+          </a:fillRef>
+          <a:effectRef idx="0">
+            <a:schemeClr val="accent3"/>
+          </a:effectRef>
+          <a:fontRef idx="minor">
+            <a:schemeClr val="dk1"/>
+          </a:fontRef>
+        </p:style>
+        <p:txBody>
+          <a:bodyPr/>
+          <a:lstStyle/>
+          <a:p>
+            <a:r>
+              <a:rPr lang="en-US" dirty="0" smtClean="0"/>
+              <a:t>JS:</a:t>
+            </a:r>
+          </a:p>
+          <a:p>
+            <a:pPr marL="457200" lvl="1" indent="0">
+              <a:buNone/>
+            </a:pPr>
+            <a:r>
+              <a:rPr lang="en-US" dirty="0" err="1" smtClean="0"/>
+              <a:t>var</a:t>
+            </a:r>
+            <a:r>
+              <a:rPr lang="en-US" dirty="0" smtClean="0"/>
+              <a:t> e= </a:t>
+            </a:r>
+            <a:r>
+              <a:rPr lang="en-US" dirty="0" err="1" smtClean="0"/>
+              <a:t>document.getElementsByClassName</a:t>
+            </a:r>
+            <a:r>
+              <a:rPr lang="en-US" dirty="0" smtClean="0"/>
+              <a:t>(‘</a:t>
+            </a:r>
+            <a:r>
+              <a:rPr lang="en-US" dirty="0" err="1" smtClean="0"/>
+              <a:t>myButton</a:t>
+            </a:r>
+            <a:r>
+              <a:rPr lang="en-US" dirty="0" smtClean="0"/>
+              <a:t>’)[0]</a:t>
+            </a:r>
+            <a:endParaRPr lang="en-GB" dirty="0" smtClean="0"/>
+          </a:p>
+          <a:p>
+            <a:pPr marL="457200" lvl="1" indent="0">
+              <a:buNone/>
+            </a:pPr>
+            <a:r>
+              <a:rPr lang="en-US" dirty="0" err="1" smtClean="0"/>
+              <a:t>e.style</a:t>
+            </a:r>
+            <a:r>
+              <a:rPr lang="en-US" dirty="0" smtClean="0"/>
+              <a:t> = “color: red”;</a:t>
+            </a:r>
+            <a:endParaRPr lang="en-GB" dirty="0" smtClean="0"/>
+          </a:p>
+          <a:p>
+            <a:r>
+              <a:rPr lang="en-US" dirty="0" err="1" smtClean="0"/>
+              <a:t>Jquery</a:t>
+            </a:r>
+            <a:endParaRPr lang="en-US" dirty="0" smtClean="0"/>
+          </a:p>
+          <a:p>
+            <a:pPr marL="457200" lvl="1" indent="0">
+              <a:buNone/>
+            </a:pPr>
+            <a:r>
+              <a:rPr lang="en-US" dirty="0" smtClean="0"/>
+              <a:t>$(.</a:t>
+            </a:r>
+            <a:r>
+              <a:rPr lang="en-US" dirty="0" err="1"/>
+              <a:t>myButton</a:t>
+            </a:r>
+            <a:r>
+              <a:rPr lang="en-US" dirty="0"/>
+              <a:t>")[0].</a:t>
+            </a:r>
+            <a:r>
+              <a:rPr lang="en-US" dirty="0" err="1"/>
+              <a:t>css</a:t>
+            </a:r>
+            <a:r>
+              <a:rPr lang="en-US" dirty="0"/>
+              <a:t>(‘color, ‘red’);</a:t>
+            </a:r>
+            <a:endParaRPr lang="en-GB" dirty="0"/>
+          </a:p>
+        </p:txBody>
+      </p:sp>
+      <p:sp>
+        <p:nvSpPr>
+          <p:cNvPr id="4" name="TextBox 3"/>
+          <p:cNvSpPr txBox="1"/>
+          <p:nvPr/>
+        </p:nvSpPr>
+        <p:spPr>
+          <a:xfrm>
+            <a:off x="2133600" y="5758070"/>
+            <a:ext cx="4796378" cy="523220"/>
+          </a:xfrm>
+          <a:prstGeom prst="rect">
+            <a:avLst/>
+          </a:prstGeom>
+          <a:noFill/>
+        </p:spPr>
+        <p:txBody>
+          <a:bodyPr wrap="none" rtlCol="0">
+            <a:spAutoFit/>
+          </a:bodyPr>
+          <a:lstStyle/>
+          <a:p>
+            <a:r>
+              <a:rPr lang="en-GB" sz="2800" dirty="0" err="1" smtClean="0"/>
+              <a:t>Hạn</a:t>
+            </a:r>
+            <a:r>
+              <a:rPr lang="en-GB" sz="2800" dirty="0" smtClean="0"/>
+              <a:t> </a:t>
+            </a:r>
+            <a:r>
+              <a:rPr lang="en-GB" sz="2800" dirty="0" err="1" smtClean="0"/>
+              <a:t>chế</a:t>
+            </a:r>
+            <a:r>
+              <a:rPr lang="en-GB" sz="2800" dirty="0" smtClean="0"/>
+              <a:t> </a:t>
+            </a:r>
+            <a:r>
+              <a:rPr lang="en-GB" sz="2800" dirty="0" err="1" smtClean="0"/>
+              <a:t>được</a:t>
+            </a:r>
+            <a:r>
+              <a:rPr lang="en-GB" sz="2800" dirty="0" smtClean="0"/>
+              <a:t> </a:t>
+            </a:r>
+            <a:r>
+              <a:rPr lang="en-GB" sz="2800" dirty="0" err="1" smtClean="0"/>
+              <a:t>sử</a:t>
+            </a:r>
+            <a:r>
+              <a:rPr lang="en-GB" sz="2800" dirty="0" smtClean="0"/>
+              <a:t> </a:t>
+            </a:r>
+            <a:r>
+              <a:rPr lang="en-GB" sz="2800" dirty="0" err="1" smtClean="0"/>
+              <a:t>dụng</a:t>
+            </a:r>
+            <a:r>
+              <a:rPr lang="en-GB" sz="2800" dirty="0" smtClean="0"/>
+              <a:t> </a:t>
+            </a:r>
+            <a:r>
+              <a:rPr lang="en-GB" sz="2800" dirty="0" err="1" smtClean="0"/>
+              <a:t>vòng</a:t>
+            </a:r>
+            <a:r>
+              <a:rPr lang="en-GB" sz="2800" dirty="0" smtClean="0"/>
+              <a:t> </a:t>
+            </a:r>
+            <a:r>
+              <a:rPr lang="en-GB" sz="2800" dirty="0" err="1" smtClean="0"/>
+              <a:t>lặp</a:t>
+            </a:r>
+            <a:endParaRPr lang="en-GB" sz="2800" dirty="0"/>
+          </a:p>
+        </p:txBody>
+      </p:sp>
+    </p:spTree>
+    <p:extLst>
+      <p:ext uri="{BB962C8B-B14F-4D97-AF65-F5344CB8AC3E}">
+        <p14:creationId xmlns:p14="http://schemas.microsoft.com/office/powerpoint/2010/main" val="2633127005"/>
+      </p:ext>
+    </p:extLst>
+  </p:cSld>
+  <p:clrMapOvr>
+    <a:masterClrMapping/>
+  </p:clrMapOvr>
+</p:sld>
+</file>
+
+<file path=ppt/slides/slide15.xml><?xml version="1.0" encoding="utf-8"?>
+<p:sld xmlns:a="http://schemas.openxmlformats.org/drawingml/2006/main" xmlns:r="http://schemas.openxmlformats.org/officeDocument/2006/relationships" xmlns:p="http://schemas.openxmlformats.org/presentationml/2006/main">
+  <p:cSld>
+    <p:spTree>
+      <p:nvGrpSpPr>
+        <p:cNvPr id="1" name=""/>
+        <p:cNvGrpSpPr/>
+        <p:nvPr/>
+      </p:nvGrpSpPr>
+      <p:grpSpPr>
+        <a:xfrm>
+          <a:off x="0" y="0"/>
+          <a:ext cx="0" cy="0"/>
+          <a:chOff x="0" y="0"/>
+          <a:chExt cx="0" cy="0"/>
+        </a:xfrm>
+      </p:grpSpPr>
+      <p:sp>
+        <p:nvSpPr>
+          <p:cNvPr id="2" name="Title 1"/>
+          <p:cNvSpPr>
+            <a:spLocks noGrp="1"/>
+          </p:cNvSpPr>
+          <p:nvPr>
+            <p:ph type="title"/>
+          </p:nvPr>
+        </p:nvSpPr>
+        <p:spPr/>
+        <p:txBody>
+          <a:bodyPr/>
+          <a:lstStyle/>
+          <a:p>
+            <a:r>
+              <a:rPr lang="en-GB" dirty="0" err="1" smtClean="0"/>
+              <a:t>Thao</a:t>
+            </a:r>
+            <a:r>
+              <a:rPr lang="en-GB" dirty="0" smtClean="0"/>
+              <a:t> </a:t>
+            </a:r>
+            <a:r>
+              <a:rPr lang="en-GB" dirty="0" err="1" smtClean="0"/>
+              <a:t>tác</a:t>
+            </a:r>
+            <a:r>
+              <a:rPr lang="en-GB" dirty="0" smtClean="0"/>
+              <a:t> </a:t>
+            </a:r>
+            <a:r>
+              <a:rPr lang="en-GB" dirty="0" err="1" smtClean="0"/>
+              <a:t>với</a:t>
+            </a:r>
+            <a:r>
+              <a:rPr lang="en-GB" dirty="0" smtClean="0"/>
+              <a:t> DOM</a:t>
+            </a:r>
+            <a:endParaRPr lang="en-GB" dirty="0"/>
+          </a:p>
+        </p:txBody>
+      </p:sp>
+      <p:sp>
+        <p:nvSpPr>
+          <p:cNvPr id="3" name="Content Placeholder 2"/>
+          <p:cNvSpPr>
+            <a:spLocks noGrp="1"/>
+          </p:cNvSpPr>
+          <p:nvPr>
+            <p:ph idx="1"/>
+          </p:nvPr>
+        </p:nvSpPr>
+        <p:spPr/>
+        <p:txBody>
+          <a:bodyPr/>
+          <a:lstStyle/>
+          <a:p>
+            <a:r>
+              <a:rPr lang="en-GB" dirty="0" err="1" smtClean="0"/>
+              <a:t>Tìm</a:t>
+            </a:r>
+            <a:r>
+              <a:rPr lang="en-GB" dirty="0" smtClean="0"/>
+              <a:t> DOM</a:t>
+            </a:r>
+          </a:p>
+          <a:p>
+            <a:pPr lvl="1"/>
+            <a:r>
+              <a:rPr lang="en-GB" dirty="0" smtClean="0"/>
+              <a:t>Find()</a:t>
+            </a:r>
+          </a:p>
+          <a:p>
+            <a:pPr lvl="1"/>
+            <a:r>
+              <a:rPr lang="en-GB" dirty="0" smtClean="0"/>
+              <a:t>Child()</a:t>
+            </a:r>
+          </a:p>
+          <a:p>
+            <a:pPr lvl="1"/>
+            <a:r>
+              <a:rPr lang="en-GB" dirty="0" smtClean="0"/>
+              <a:t>Parent() </a:t>
+            </a:r>
+            <a:r>
+              <a:rPr lang="en-GB" dirty="0" err="1" smtClean="0"/>
+              <a:t>và</a:t>
+            </a:r>
+            <a:r>
+              <a:rPr lang="en-GB" dirty="0" smtClean="0"/>
+              <a:t> parents()</a:t>
+            </a:r>
+          </a:p>
+          <a:p>
+            <a:r>
+              <a:rPr lang="en-GB" dirty="0" err="1" smtClean="0"/>
+              <a:t>Sửa</a:t>
+            </a:r>
+            <a:r>
+              <a:rPr lang="en-GB" dirty="0" smtClean="0"/>
+              <a:t> </a:t>
+            </a:r>
+            <a:r>
+              <a:rPr lang="en-GB" dirty="0" err="1" smtClean="0"/>
+              <a:t>hiển</a:t>
+            </a:r>
+            <a:r>
+              <a:rPr lang="en-GB" dirty="0" smtClean="0"/>
+              <a:t> </a:t>
+            </a:r>
+            <a:r>
+              <a:rPr lang="en-GB" dirty="0" err="1" smtClean="0"/>
+              <a:t>thị</a:t>
+            </a:r>
+            <a:endParaRPr lang="en-GB" dirty="0" smtClean="0"/>
+          </a:p>
+          <a:p>
+            <a:pPr lvl="1"/>
+            <a:r>
+              <a:rPr lang="en-GB" dirty="0" smtClean="0"/>
+              <a:t>Text()</a:t>
+            </a:r>
+          </a:p>
+          <a:p>
+            <a:pPr lvl="1"/>
+            <a:r>
+              <a:rPr lang="en-GB" dirty="0" smtClean="0"/>
+              <a:t>Html()</a:t>
+            </a:r>
+          </a:p>
+          <a:p>
+            <a:pPr lvl="1"/>
+            <a:r>
+              <a:rPr lang="en-GB" dirty="0" smtClean="0"/>
+              <a:t>Val()</a:t>
+            </a:r>
+            <a:endParaRPr lang="en-GB" dirty="0"/>
+          </a:p>
+        </p:txBody>
+      </p:sp>
+    </p:spTree>
+    <p:extLst>
+      <p:ext uri="{BB962C8B-B14F-4D97-AF65-F5344CB8AC3E}">
+        <p14:creationId xmlns:p14="http://schemas.microsoft.com/office/powerpoint/2010/main" val="1060006736"/>
+      </p:ext>
+    </p:extLst>
+  </p:cSld>
+  <p:clrMapOvr>
+    <a:masterClrMapping/>
+  </p:clrMapOvr>
+</p:sld>
+</file>
+
+<file path=ppt/slides/slide16.xml><?xml version="1.0" encoding="utf-8"?>
+<p:sld xmlns:a="http://schemas.openxmlformats.org/drawingml/2006/main" xmlns:r="http://schemas.openxmlformats.org/officeDocument/2006/relationships" xmlns:p="http://schemas.openxmlformats.org/presentationml/2006/main">
+  <p:cSld>
+    <p:spTree>
+      <p:nvGrpSpPr>
+        <p:cNvPr id="1" name=""/>
+        <p:cNvGrpSpPr/>
+        <p:nvPr/>
+      </p:nvGrpSpPr>
+      <p:grpSpPr>
+        <a:xfrm>
+          <a:off x="0" y="0"/>
+          <a:ext cx="0" cy="0"/>
+          <a:chOff x="0" y="0"/>
+          <a:chExt cx="0" cy="0"/>
+        </a:xfrm>
+      </p:grpSpPr>
+      <p:sp>
+        <p:nvSpPr>
+          <p:cNvPr id="2" name="Title 1"/>
+          <p:cNvSpPr>
+            <a:spLocks noGrp="1"/>
+          </p:cNvSpPr>
+          <p:nvPr>
+            <p:ph type="title"/>
+          </p:nvPr>
+        </p:nvSpPr>
+        <p:spPr/>
+        <p:txBody>
+          <a:bodyPr/>
+          <a:lstStyle/>
+          <a:p>
+            <a:r>
+              <a:rPr lang="en-GB" dirty="0" smtClean="0"/>
+              <a:t>Events</a:t>
+            </a:r>
+            <a:endParaRPr lang="en-GB" dirty="0"/>
+          </a:p>
+        </p:txBody>
+      </p:sp>
+      <p:pic>
+        <p:nvPicPr>
+          <p:cNvPr id="4" name="Content Placeholder 3"/>
+          <p:cNvPicPr>
+            <a:picLocks noGrp="1"/>
+          </p:cNvPicPr>
+          <p:nvPr>
+            <p:ph idx="1"/>
+          </p:nvPr>
+        </p:nvPicPr>
+        <p:blipFill>
+          <a:blip r:embed="rId2"/>
+          <a:stretch>
+            <a:fillRect/>
+          </a:stretch>
+        </p:blipFill>
+        <p:spPr>
+          <a:xfrm>
+            <a:off x="457200" y="1905000"/>
+            <a:ext cx="8382000" cy="2514600"/>
+          </a:xfrm>
+          <a:prstGeom prst="rect">
+            <a:avLst/>
+          </a:prstGeom>
+        </p:spPr>
+        <p:style>
+          <a:lnRef idx="2">
+            <a:schemeClr val="accent3"/>
+          </a:lnRef>
+          <a:fillRef idx="1">
+            <a:schemeClr val="lt1"/>
+          </a:fillRef>
+          <a:effectRef idx="0">
+            <a:schemeClr val="accent3"/>
+          </a:effectRef>
+          <a:fontRef idx="minor">
+            <a:schemeClr val="dk1"/>
+          </a:fontRef>
+        </p:style>
+      </p:pic>
+      <p:sp>
+        <p:nvSpPr>
+          <p:cNvPr id="5" name="TextBox 4"/>
+          <p:cNvSpPr txBox="1"/>
+          <p:nvPr/>
+        </p:nvSpPr>
+        <p:spPr>
+          <a:xfrm>
+            <a:off x="2819400" y="4800600"/>
+            <a:ext cx="3304046" cy="477054"/>
+          </a:xfrm>
+          <a:prstGeom prst="rect">
+            <a:avLst/>
+          </a:prstGeom>
+          <a:noFill/>
+        </p:spPr>
+        <p:txBody>
+          <a:bodyPr wrap="none" rtlCol="0">
+            <a:spAutoFit/>
+          </a:bodyPr>
+          <a:lstStyle/>
+          <a:p>
+            <a:r>
+              <a:rPr lang="en-GB" sz="2500" dirty="0" err="1" smtClean="0"/>
+              <a:t>Các</a:t>
+            </a:r>
+            <a:r>
+              <a:rPr lang="en-GB" sz="2500" dirty="0" smtClean="0"/>
+              <a:t> events </a:t>
+            </a:r>
+            <a:r>
+              <a:rPr lang="en-GB" sz="2500" dirty="0" err="1" smtClean="0"/>
+              <a:t>trong</a:t>
+            </a:r>
+            <a:r>
+              <a:rPr lang="en-GB" sz="2500" dirty="0" smtClean="0"/>
+              <a:t> </a:t>
+            </a:r>
+            <a:r>
+              <a:rPr lang="en-GB" sz="2500" dirty="0" err="1" smtClean="0"/>
+              <a:t>jQuery</a:t>
+            </a:r>
+            <a:endParaRPr lang="en-GB" sz="2500" dirty="0"/>
+          </a:p>
+        </p:txBody>
+      </p:sp>
+    </p:spTree>
+    <p:extLst>
+      <p:ext uri="{BB962C8B-B14F-4D97-AF65-F5344CB8AC3E}">
+        <p14:creationId xmlns:p14="http://schemas.microsoft.com/office/powerpoint/2010/main" val="2028348443"/>
+      </p:ext>
+    </p:extLst>
+  </p:cSld>
+  <p:clrMapOvr>
+    <a:masterClrMapping/>
+  </p:clrMapOvr>
+</p:sld>
+</file>
+
+<file path=ppt/slides/slide17.xml><?xml version="1.0" encoding="utf-8"?>
+<p:sld xmlns:a="http://schemas.openxmlformats.org/drawingml/2006/main" xmlns:r="http://schemas.openxmlformats.org/officeDocument/2006/relationships" xmlns:p="http://schemas.openxmlformats.org/presentationml/2006/main">
+  <p:cSld>
+    <p:spTree>
+      <p:nvGrpSpPr>
+        <p:cNvPr id="1" name=""/>
+        <p:cNvGrpSpPr/>
+        <p:nvPr/>
+      </p:nvGrpSpPr>
+      <p:grpSpPr>
+        <a:xfrm>
+          <a:off x="0" y="0"/>
+          <a:ext cx="0" cy="0"/>
+          <a:chOff x="0" y="0"/>
+          <a:chExt cx="0" cy="0"/>
+        </a:xfrm>
+      </p:grpSpPr>
+      <p:sp>
+        <p:nvSpPr>
+          <p:cNvPr id="2" name="Title 1"/>
+          <p:cNvSpPr>
+            <a:spLocks noGrp="1"/>
+          </p:cNvSpPr>
+          <p:nvPr>
+            <p:ph type="title"/>
+          </p:nvPr>
+        </p:nvSpPr>
+        <p:spPr/>
+        <p:txBody>
+          <a:bodyPr/>
+          <a:lstStyle/>
+          <a:p>
+            <a:r>
+              <a:rPr lang="en-GB" dirty="0" err="1" smtClean="0"/>
+              <a:t>Các</a:t>
+            </a:r>
+            <a:r>
+              <a:rPr lang="en-GB" dirty="0" smtClean="0"/>
+              <a:t> events </a:t>
+            </a:r>
+            <a:r>
+              <a:rPr lang="en-GB" dirty="0" err="1" smtClean="0"/>
+              <a:t>quan</a:t>
+            </a:r>
+            <a:r>
+              <a:rPr lang="en-GB" dirty="0" smtClean="0"/>
+              <a:t> </a:t>
+            </a:r>
+            <a:r>
+              <a:rPr lang="en-GB" dirty="0" err="1" smtClean="0"/>
+              <a:t>trọng</a:t>
+            </a:r>
+            <a:endParaRPr lang="en-GB" dirty="0"/>
+          </a:p>
+        </p:txBody>
+      </p:sp>
+      <p:sp>
+        <p:nvSpPr>
+          <p:cNvPr id="3" name="Content Placeholder 2"/>
+          <p:cNvSpPr>
+            <a:spLocks noGrp="1"/>
+          </p:cNvSpPr>
+          <p:nvPr>
+            <p:ph idx="1"/>
+          </p:nvPr>
+        </p:nvSpPr>
+        <p:spPr/>
+        <p:txBody>
+          <a:bodyPr/>
+          <a:lstStyle/>
+          <a:p>
+            <a:r>
+              <a:rPr lang="en-GB" dirty="0" smtClean="0"/>
+              <a:t>click()</a:t>
+            </a:r>
+          </a:p>
+          <a:p>
+            <a:pPr marL="400050" lvl="1" indent="0">
+              <a:buNone/>
+            </a:pPr>
+            <a:r>
+              <a:rPr lang="en-US" dirty="0">
+                <a:solidFill>
+                  <a:srgbClr val="FF0000"/>
+                </a:solidFill>
+              </a:rPr>
+              <a:t>$("p").click(function(){</a:t>
+            </a:r>
+            <a:r>
+              <a:rPr lang="en-US" dirty="0">
+                <a:solidFill>
+                  <a:srgbClr val="FF0000"/>
+                </a:solidFill>
+              </a:rPr>
+              <a:t/>
+            </a:r>
+            <a:br>
+              <a:rPr lang="en-US" dirty="0">
+                <a:solidFill>
+                  <a:srgbClr val="FF0000"/>
+                </a:solidFill>
+              </a:rPr>
+            </a:br>
+            <a:r>
+              <a:rPr lang="en-US" dirty="0">
+                <a:solidFill>
+                  <a:srgbClr val="FF0000"/>
+                </a:solidFill>
+              </a:rPr>
+              <a:t>    alert("The paragraph was clicked.");</a:t>
+            </a:r>
+            <a:r>
+              <a:rPr lang="en-US" dirty="0">
+                <a:solidFill>
+                  <a:srgbClr val="FF0000"/>
+                </a:solidFill>
+              </a:rPr>
+              <a:t/>
+            </a:r>
+            <a:br>
+              <a:rPr lang="en-US" dirty="0">
+                <a:solidFill>
+                  <a:srgbClr val="FF0000"/>
+                </a:solidFill>
+              </a:rPr>
+            </a:br>
+            <a:r>
+              <a:rPr lang="en-US" dirty="0" smtClean="0">
+                <a:solidFill>
+                  <a:srgbClr val="FF0000"/>
+                </a:solidFill>
+              </a:rPr>
+              <a:t>});</a:t>
+            </a:r>
+          </a:p>
+          <a:p>
+            <a:r>
+              <a:rPr lang="en-GB" dirty="0" smtClean="0"/>
+              <a:t>on() </a:t>
+            </a:r>
+            <a:r>
+              <a:rPr lang="en-GB" dirty="0" err="1" smtClean="0"/>
+              <a:t>sử</a:t>
+            </a:r>
+            <a:r>
+              <a:rPr lang="en-GB" dirty="0" smtClean="0"/>
+              <a:t> </a:t>
+            </a:r>
+            <a:r>
+              <a:rPr lang="en-GB" dirty="0" err="1" smtClean="0"/>
+              <a:t>dụng</a:t>
+            </a:r>
+            <a:r>
+              <a:rPr lang="en-GB" dirty="0" smtClean="0"/>
+              <a:t> </a:t>
+            </a:r>
+            <a:r>
+              <a:rPr lang="en-GB" dirty="0" err="1" smtClean="0"/>
+              <a:t>thay</a:t>
+            </a:r>
+            <a:r>
+              <a:rPr lang="en-GB" dirty="0" smtClean="0"/>
+              <a:t> </a:t>
+            </a:r>
+            <a:r>
+              <a:rPr lang="en-GB" dirty="0" err="1" smtClean="0"/>
+              <a:t>cho</a:t>
+            </a:r>
+            <a:r>
+              <a:rPr lang="en-GB" dirty="0" smtClean="0"/>
+              <a:t> </a:t>
+            </a:r>
+            <a:r>
+              <a:rPr lang="en-GB" dirty="0" err="1" smtClean="0"/>
+              <a:t>các</a:t>
+            </a:r>
+            <a:r>
+              <a:rPr lang="en-GB" dirty="0" smtClean="0"/>
+              <a:t> </a:t>
+            </a:r>
+            <a:r>
+              <a:rPr lang="en-GB" dirty="0" err="1" smtClean="0"/>
+              <a:t>sự</a:t>
+            </a:r>
+            <a:r>
+              <a:rPr lang="en-GB" dirty="0" smtClean="0"/>
+              <a:t> </a:t>
+            </a:r>
+            <a:r>
+              <a:rPr lang="en-GB" dirty="0" err="1" smtClean="0"/>
+              <a:t>kiện</a:t>
+            </a:r>
+            <a:endParaRPr lang="en-GB" dirty="0" smtClean="0"/>
+          </a:p>
+          <a:p>
+            <a:pPr marL="400050" lvl="2" indent="0">
+              <a:buNone/>
+            </a:pPr>
+            <a:r>
+              <a:rPr lang="en-US" sz="3200" dirty="0">
+                <a:solidFill>
+                  <a:srgbClr val="FF0000"/>
+                </a:solidFill>
+              </a:rPr>
+              <a:t>$("p</a:t>
+            </a:r>
+            <a:r>
+              <a:rPr lang="en-US" sz="3200" dirty="0" smtClean="0">
+                <a:solidFill>
+                  <a:srgbClr val="FF0000"/>
+                </a:solidFill>
+              </a:rPr>
+              <a:t>").on(‘click’, function</a:t>
+            </a:r>
+            <a:r>
+              <a:rPr lang="en-US" sz="3200" dirty="0">
+                <a:solidFill>
+                  <a:srgbClr val="FF0000"/>
+                </a:solidFill>
+              </a:rPr>
+              <a:t>(){</a:t>
+            </a:r>
+            <a:br>
+              <a:rPr lang="en-US" sz="3200" dirty="0">
+                <a:solidFill>
+                  <a:srgbClr val="FF0000"/>
+                </a:solidFill>
+              </a:rPr>
+            </a:br>
+            <a:r>
+              <a:rPr lang="en-US" sz="3200" dirty="0">
+                <a:solidFill>
+                  <a:srgbClr val="FF0000"/>
+                </a:solidFill>
+              </a:rPr>
+              <a:t>    alert("The paragraph was clicked.");</a:t>
+            </a:r>
+            <a:br>
+              <a:rPr lang="en-US" sz="3200" dirty="0">
+                <a:solidFill>
+                  <a:srgbClr val="FF0000"/>
+                </a:solidFill>
+              </a:rPr>
+            </a:br>
+            <a:r>
+              <a:rPr lang="en-US" sz="3200" dirty="0">
+                <a:solidFill>
+                  <a:srgbClr val="FF0000"/>
+                </a:solidFill>
+              </a:rPr>
+              <a:t>});</a:t>
+            </a:r>
+          </a:p>
+          <a:p>
+            <a:endParaRPr lang="en-GB" dirty="0" smtClean="0"/>
+          </a:p>
+          <a:p>
+            <a:endParaRPr lang="en-GB" dirty="0"/>
+          </a:p>
+        </p:txBody>
+      </p:sp>
+    </p:spTree>
+    <p:extLst>
+      <p:ext uri="{BB962C8B-B14F-4D97-AF65-F5344CB8AC3E}">
+        <p14:creationId xmlns:p14="http://schemas.microsoft.com/office/powerpoint/2010/main" val="222113267"/>
+      </p:ext>
+    </p:extLst>
+  </p:cSld>
+  <p:clrMapOvr>
+    <a:masterClrMapping/>
+  </p:clrMapOvr>
+</p:sld>
+</file>
+
+<file path=ppt/slides/slide18.xml><?xml version="1.0" encoding="utf-8"?>
+<p:sld xmlns:a="http://schemas.openxmlformats.org/drawingml/2006/main" xmlns:r="http://schemas.openxmlformats.org/officeDocument/2006/relationships" xmlns:p="http://schemas.openxmlformats.org/presentationml/2006/main">
+  <p:cSld>
+    <p:spTree>
+      <p:nvGrpSpPr>
+        <p:cNvPr id="1" name=""/>
+        <p:cNvGrpSpPr/>
+        <p:nvPr/>
+      </p:nvGrpSpPr>
+      <p:grpSpPr>
+        <a:xfrm>
+          <a:off x="0" y="0"/>
+          <a:ext cx="0" cy="0"/>
+          <a:chOff x="0" y="0"/>
+          <a:chExt cx="0" cy="0"/>
+        </a:xfrm>
+      </p:grpSpPr>
+      <p:sp>
+        <p:nvSpPr>
+          <p:cNvPr id="2" name="Title 1"/>
+          <p:cNvSpPr>
+            <a:spLocks noGrp="1"/>
+          </p:cNvSpPr>
+          <p:nvPr>
+            <p:ph type="title"/>
+          </p:nvPr>
+        </p:nvSpPr>
+        <p:spPr/>
+        <p:txBody>
+          <a:bodyPr/>
+          <a:lstStyle/>
+          <a:p>
+            <a:r>
+              <a:rPr lang="en-GB" dirty="0" smtClean="0"/>
+              <a:t>AJAX</a:t>
+            </a:r>
+            <a:endParaRPr lang="en-GB" dirty="0"/>
+          </a:p>
+        </p:txBody>
+      </p:sp>
+      <p:sp>
+        <p:nvSpPr>
+          <p:cNvPr id="3" name="Content Placeholder 2"/>
+          <p:cNvSpPr>
+            <a:spLocks noGrp="1"/>
+          </p:cNvSpPr>
+          <p:nvPr>
+            <p:ph idx="1"/>
+          </p:nvPr>
+        </p:nvSpPr>
+        <p:spPr/>
+        <p:txBody>
+          <a:bodyPr/>
+          <a:lstStyle/>
+          <a:p>
+            <a:r>
+              <a:rPr lang="en-US" b="1" dirty="0"/>
+              <a:t>$(</a:t>
+            </a:r>
+            <a:r>
+              <a:rPr lang="en-US" b="1" i="1" dirty="0"/>
+              <a:t>selector</a:t>
+            </a:r>
+            <a:r>
+              <a:rPr lang="en-US" b="1" dirty="0"/>
+              <a:t>).</a:t>
+            </a:r>
+            <a:r>
+              <a:rPr lang="en-US" b="1" dirty="0" err="1"/>
+              <a:t>methodName</a:t>
+            </a:r>
+            <a:r>
+              <a:rPr lang="en-US" b="1" dirty="0"/>
+              <a:t>(</a:t>
+            </a:r>
+            <a:r>
+              <a:rPr lang="en-US" b="1" i="1" dirty="0" err="1"/>
+              <a:t>URL,data,callback</a:t>
+            </a:r>
+            <a:r>
+              <a:rPr lang="en-US" b="1" dirty="0" smtClean="0"/>
+              <a:t>);</a:t>
+            </a:r>
+          </a:p>
+          <a:p>
+            <a:pPr lvl="1"/>
+            <a:r>
+              <a:rPr lang="en-US" b="1" dirty="0" err="1" smtClean="0"/>
+              <a:t>url</a:t>
+            </a:r>
+            <a:r>
+              <a:rPr lang="en-US" b="1" dirty="0" smtClean="0"/>
+              <a:t> </a:t>
+            </a:r>
+            <a:r>
+              <a:rPr lang="en-US" dirty="0" err="1" smtClean="0"/>
+              <a:t>bắt</a:t>
+            </a:r>
+            <a:r>
+              <a:rPr lang="en-US" dirty="0" smtClean="0"/>
+              <a:t> </a:t>
+            </a:r>
+            <a:r>
+              <a:rPr lang="en-US" dirty="0" err="1" smtClean="0"/>
+              <a:t>buộc</a:t>
+            </a:r>
+            <a:endParaRPr lang="en-US" dirty="0" smtClean="0"/>
+          </a:p>
+          <a:p>
+            <a:pPr lvl="1"/>
+            <a:r>
+              <a:rPr lang="en-US" b="1" dirty="0" smtClean="0"/>
+              <a:t>Callback</a:t>
+            </a:r>
+            <a:r>
+              <a:rPr lang="en-US" dirty="0" smtClean="0"/>
+              <a:t> </a:t>
+            </a:r>
+            <a:r>
+              <a:rPr lang="en-US" dirty="0" err="1" smtClean="0"/>
+              <a:t>là</a:t>
+            </a:r>
+            <a:r>
+              <a:rPr lang="en-US" dirty="0" smtClean="0"/>
+              <a:t> function  </a:t>
+            </a:r>
+            <a:r>
+              <a:rPr lang="en-US" dirty="0" err="1" smtClean="0"/>
+              <a:t>được</a:t>
+            </a:r>
+            <a:r>
+              <a:rPr lang="en-US" dirty="0" smtClean="0"/>
+              <a:t> </a:t>
+            </a:r>
+            <a:r>
+              <a:rPr lang="en-US" dirty="0" err="1" smtClean="0"/>
+              <a:t>gọi</a:t>
+            </a:r>
+            <a:endParaRPr lang="en-GB" dirty="0"/>
+          </a:p>
+          <a:p>
+            <a:r>
+              <a:rPr lang="en-US" b="1" dirty="0" err="1" smtClean="0"/>
+              <a:t>methodName</a:t>
+            </a:r>
+            <a:endParaRPr lang="en-US" b="1" dirty="0" smtClean="0"/>
+          </a:p>
+          <a:p>
+            <a:pPr lvl="1"/>
+            <a:r>
+              <a:rPr lang="en-US" b="1" dirty="0"/>
+              <a:t>l</a:t>
+            </a:r>
+            <a:r>
+              <a:rPr lang="en-US" b="1" dirty="0" smtClean="0"/>
+              <a:t>oad</a:t>
+            </a:r>
+          </a:p>
+          <a:p>
+            <a:pPr lvl="1"/>
+            <a:r>
+              <a:rPr lang="en-US" b="1" dirty="0"/>
+              <a:t>r</a:t>
+            </a:r>
+            <a:r>
+              <a:rPr lang="en-US" b="1" dirty="0" smtClean="0"/>
+              <a:t>eady</a:t>
+            </a:r>
+          </a:p>
+          <a:p>
+            <a:pPr lvl="1"/>
+            <a:r>
+              <a:rPr lang="en-US" b="1" dirty="0" err="1" smtClean="0"/>
+              <a:t>getJSON</a:t>
+            </a:r>
+            <a:endParaRPr lang="en-US" b="1" dirty="0" smtClean="0"/>
+          </a:p>
+          <a:p>
+            <a:pPr lvl="1"/>
+            <a:r>
+              <a:rPr lang="en-US" b="1" dirty="0"/>
+              <a:t>g</a:t>
+            </a:r>
+            <a:r>
+              <a:rPr lang="en-US" b="1" dirty="0" smtClean="0"/>
+              <a:t>et </a:t>
+            </a:r>
+            <a:r>
+              <a:rPr lang="en-US" dirty="0" err="1" smtClean="0"/>
+              <a:t>và</a:t>
+            </a:r>
+            <a:r>
+              <a:rPr lang="en-US" b="1" dirty="0" smtClean="0"/>
+              <a:t> post</a:t>
+            </a:r>
+            <a:endParaRPr lang="en-GB" dirty="0"/>
+          </a:p>
+        </p:txBody>
+      </p:sp>
+    </p:spTree>
+    <p:extLst>
+      <p:ext uri="{BB962C8B-B14F-4D97-AF65-F5344CB8AC3E}">
+        <p14:creationId xmlns:p14="http://schemas.microsoft.com/office/powerpoint/2010/main" val="4170915666"/>
+      </p:ext>
+    </p:extLst>
+  </p:cSld>
+  <p:clrMapOvr>
+    <a:masterClrMapping/>
+  </p:clrMapOvr>
+</p:sld>
+</file>
+
+<file path=ppt/slides/slide19.xml><?xml version="1.0" encoding="utf-8"?>
+<p:sld xmlns:a="http://schemas.openxmlformats.org/drawingml/2006/main" xmlns:r="http://schemas.openxmlformats.org/officeDocument/2006/relationships" xmlns:p="http://schemas.openxmlformats.org/presentationml/2006/main">
+  <p:cSld>
+    <p:spTree>
+      <p:nvGrpSpPr>
+        <p:cNvPr id="1" name=""/>
+        <p:cNvGrpSpPr/>
+        <p:nvPr/>
+      </p:nvGrpSpPr>
+      <p:grpSpPr>
+        <a:xfrm>
+          <a:off x="0" y="0"/>
+          <a:ext cx="0" cy="0"/>
+          <a:chOff x="0" y="0"/>
+          <a:chExt cx="0" cy="0"/>
+        </a:xfrm>
+      </p:grpSpPr>
+      <p:sp>
+        <p:nvSpPr>
+          <p:cNvPr id="2" name="Title 1"/>
+          <p:cNvSpPr>
+            <a:spLocks noGrp="1"/>
+          </p:cNvSpPr>
+          <p:nvPr>
+            <p:ph type="title"/>
+          </p:nvPr>
+        </p:nvSpPr>
+        <p:spPr/>
+        <p:txBody>
+          <a:bodyPr/>
+          <a:lstStyle/>
+          <a:p>
+            <a:r>
+              <a:rPr lang="en-GB" dirty="0" err="1" smtClean="0"/>
+              <a:t>CallBack</a:t>
+            </a:r>
+            <a:r>
+              <a:rPr lang="en-GB" dirty="0" smtClean="0"/>
+              <a:t> Ajax</a:t>
+            </a:r>
+            <a:endParaRPr lang="en-GB" dirty="0"/>
+          </a:p>
+        </p:txBody>
+      </p:sp>
+      <p:sp>
+        <p:nvSpPr>
+          <p:cNvPr id="3" name="Content Placeholder 2"/>
+          <p:cNvSpPr>
+            <a:spLocks noGrp="1"/>
+          </p:cNvSpPr>
+          <p:nvPr>
+            <p:ph idx="1"/>
+          </p:nvPr>
+        </p:nvSpPr>
+        <p:spPr/>
+        <p:txBody>
+          <a:bodyPr/>
+          <a:lstStyle/>
+          <a:p>
+            <a:pPr marL="0" indent="0">
+              <a:buNone/>
+            </a:pPr>
+            <a:r>
+              <a:rPr lang="en-US" dirty="0"/>
+              <a:t>function(</a:t>
+            </a:r>
+            <a:r>
+              <a:rPr lang="en-US" dirty="0" err="1">
+                <a:solidFill>
+                  <a:srgbClr val="FF0000"/>
+                </a:solidFill>
+              </a:rPr>
+              <a:t>responseTxt</a:t>
+            </a:r>
+            <a:r>
+              <a:rPr lang="en-US" dirty="0"/>
+              <a:t>, </a:t>
+            </a:r>
+            <a:r>
+              <a:rPr lang="en-US" dirty="0" err="1">
+                <a:solidFill>
+                  <a:srgbClr val="FF0000"/>
+                </a:solidFill>
+              </a:rPr>
+              <a:t>statusTxt</a:t>
+            </a:r>
+            <a:r>
+              <a:rPr lang="en-US" dirty="0"/>
+              <a:t>, </a:t>
+            </a:r>
+            <a:r>
+              <a:rPr lang="en-US" dirty="0" err="1">
+                <a:solidFill>
+                  <a:srgbClr val="FF0000"/>
+                </a:solidFill>
+              </a:rPr>
+              <a:t>xhr</a:t>
+            </a:r>
+            <a:r>
+              <a:rPr lang="en-US" dirty="0"/>
+              <a:t>){</a:t>
+            </a:r>
+            <a:br>
+              <a:rPr lang="en-US" dirty="0"/>
+            </a:br>
+            <a:r>
+              <a:rPr lang="en-US" dirty="0"/>
+              <a:t>        if(</a:t>
+            </a:r>
+            <a:r>
+              <a:rPr lang="en-US" dirty="0" err="1">
+                <a:solidFill>
+                  <a:srgbClr val="FF0000"/>
+                </a:solidFill>
+              </a:rPr>
+              <a:t>statusTxt</a:t>
+            </a:r>
+            <a:r>
+              <a:rPr lang="en-US" dirty="0"/>
+              <a:t> == "</a:t>
+            </a:r>
+            <a:r>
+              <a:rPr lang="en-US" dirty="0">
+                <a:solidFill>
+                  <a:srgbClr val="FF0000"/>
+                </a:solidFill>
+              </a:rPr>
+              <a:t>success</a:t>
+            </a:r>
+            <a:r>
+              <a:rPr lang="en-US" dirty="0"/>
+              <a:t>")</a:t>
+            </a:r>
+            <a:br>
+              <a:rPr lang="en-US" dirty="0"/>
+            </a:br>
+            <a:r>
+              <a:rPr lang="en-US" dirty="0"/>
+              <a:t>           </a:t>
+            </a:r>
+            <a:r>
+              <a:rPr lang="en-US" dirty="0" smtClean="0"/>
+              <a:t>//</a:t>
+            </a:r>
+          </a:p>
+          <a:p>
+            <a:pPr marL="0" indent="0">
+              <a:buNone/>
+            </a:pPr>
+            <a:r>
+              <a:rPr lang="en-US" dirty="0"/>
+              <a:t>	</a:t>
+            </a:r>
+            <a:r>
+              <a:rPr lang="en-US" dirty="0"/>
+              <a:t>  </a:t>
+            </a:r>
+            <a:r>
+              <a:rPr lang="en-US" dirty="0" smtClean="0"/>
+              <a:t>if(</a:t>
+            </a:r>
+            <a:r>
+              <a:rPr lang="en-US" dirty="0" err="1" smtClean="0">
+                <a:solidFill>
+                  <a:srgbClr val="FF0000"/>
+                </a:solidFill>
+              </a:rPr>
+              <a:t>statusTxt</a:t>
+            </a:r>
+            <a:r>
+              <a:rPr lang="en-US" dirty="0" smtClean="0"/>
+              <a:t> </a:t>
+            </a:r>
+            <a:r>
+              <a:rPr lang="en-US" dirty="0"/>
+              <a:t>== "</a:t>
+            </a:r>
+            <a:r>
+              <a:rPr lang="en-US" dirty="0">
+                <a:solidFill>
+                  <a:srgbClr val="FF0000"/>
+                </a:solidFill>
+              </a:rPr>
+              <a:t>error</a:t>
+            </a:r>
+            <a:r>
+              <a:rPr lang="en-US" dirty="0"/>
+              <a:t>")</a:t>
+            </a:r>
+            <a:br>
+              <a:rPr lang="en-US" dirty="0"/>
+            </a:br>
+            <a:r>
+              <a:rPr lang="en-US" dirty="0"/>
+              <a:t>            alert("Error: " + </a:t>
+            </a:r>
+            <a:r>
+              <a:rPr lang="en-US" dirty="0" err="1">
+                <a:solidFill>
+                  <a:srgbClr val="FF0000"/>
+                </a:solidFill>
+              </a:rPr>
+              <a:t>xhr.status</a:t>
+            </a:r>
+            <a:r>
+              <a:rPr lang="en-US" dirty="0"/>
+              <a:t> + ": " + </a:t>
+            </a:r>
+            <a:r>
+              <a:rPr lang="en-US" dirty="0" err="1">
+                <a:solidFill>
+                  <a:srgbClr val="FF0000"/>
+                </a:solidFill>
+              </a:rPr>
+              <a:t>xhr.statusText</a:t>
+            </a:r>
+            <a:r>
+              <a:rPr lang="en-US" dirty="0"/>
+              <a:t>);</a:t>
+            </a:r>
+            <a:br>
+              <a:rPr lang="en-US" dirty="0"/>
+            </a:br>
+            <a:r>
+              <a:rPr lang="en-US" dirty="0"/>
+              <a:t>    });</a:t>
+            </a:r>
+            <a:endParaRPr lang="en-GB" dirty="0"/>
+          </a:p>
+        </p:txBody>
+      </p:sp>
+      <p:sp>
+        <p:nvSpPr>
+          <p:cNvPr id="4" name="TextBox 3"/>
+          <p:cNvSpPr txBox="1"/>
+          <p:nvPr/>
+        </p:nvSpPr>
+        <p:spPr>
+          <a:xfrm>
+            <a:off x="838200" y="5890591"/>
+            <a:ext cx="7530267" cy="523220"/>
+          </a:xfrm>
+          <a:prstGeom prst="rect">
+            <a:avLst/>
+          </a:prstGeom>
+          <a:noFill/>
+        </p:spPr>
+        <p:txBody>
+          <a:bodyPr wrap="none" rtlCol="0">
+            <a:spAutoFit/>
+          </a:bodyPr>
+          <a:lstStyle/>
+          <a:p>
+            <a:r>
+              <a:rPr lang="en-GB" sz="2800" dirty="0" err="1" smtClean="0"/>
+              <a:t>responseTxt</a:t>
+            </a:r>
+            <a:r>
+              <a:rPr lang="en-GB" sz="2800" dirty="0" smtClean="0"/>
+              <a:t>, </a:t>
+            </a:r>
+            <a:r>
+              <a:rPr lang="en-GB" sz="2800" dirty="0" err="1" smtClean="0"/>
+              <a:t>statusTxt</a:t>
+            </a:r>
+            <a:r>
+              <a:rPr lang="en-GB" sz="2800" dirty="0" smtClean="0"/>
+              <a:t>, </a:t>
+            </a:r>
+            <a:r>
+              <a:rPr lang="en-GB" sz="2800" dirty="0" err="1" smtClean="0"/>
+              <a:t>xhr</a:t>
+            </a:r>
+            <a:r>
+              <a:rPr lang="en-GB" sz="2800" dirty="0" smtClean="0"/>
+              <a:t> </a:t>
+            </a:r>
+            <a:r>
+              <a:rPr lang="en-GB" sz="2800" dirty="0" err="1" smtClean="0"/>
+              <a:t>là</a:t>
+            </a:r>
+            <a:r>
+              <a:rPr lang="en-GB" sz="2800" dirty="0" smtClean="0"/>
+              <a:t> </a:t>
+            </a:r>
+            <a:r>
+              <a:rPr lang="en-GB" sz="2800" dirty="0" err="1" smtClean="0"/>
+              <a:t>các</a:t>
+            </a:r>
+            <a:r>
+              <a:rPr lang="en-GB" sz="2800" dirty="0" smtClean="0"/>
+              <a:t> </a:t>
+            </a:r>
+            <a:r>
+              <a:rPr lang="en-GB" sz="2800" dirty="0" err="1" smtClean="0"/>
+              <a:t>từ</a:t>
+            </a:r>
+            <a:r>
+              <a:rPr lang="en-GB" sz="2800" dirty="0" smtClean="0"/>
+              <a:t> </a:t>
+            </a:r>
+            <a:r>
+              <a:rPr lang="en-GB" sz="2800" dirty="0" err="1" smtClean="0"/>
+              <a:t>khóa</a:t>
+            </a:r>
+            <a:r>
+              <a:rPr lang="en-GB" sz="2800" dirty="0" smtClean="0"/>
+              <a:t> </a:t>
+            </a:r>
+            <a:r>
+              <a:rPr lang="en-GB" sz="2800" dirty="0" err="1" smtClean="0"/>
+              <a:t>bắt</a:t>
+            </a:r>
+            <a:r>
+              <a:rPr lang="en-GB" sz="2800" dirty="0" smtClean="0"/>
+              <a:t> </a:t>
+            </a:r>
+            <a:r>
+              <a:rPr lang="en-GB" sz="2800" dirty="0" err="1" smtClean="0"/>
+              <a:t>buộc</a:t>
+            </a:r>
+            <a:endParaRPr lang="en-GB" sz="2800" dirty="0"/>
+          </a:p>
+        </p:txBody>
+      </p:sp>
+    </p:spTree>
+    <p:extLst>
+      <p:ext uri="{BB962C8B-B14F-4D97-AF65-F5344CB8AC3E}">
+        <p14:creationId xmlns:p14="http://schemas.microsoft.com/office/powerpoint/2010/main" val="4180427810"/>
+      </p:ext>
+    </p:extLst>
+  </p:cSld>
+  <p:clrMapOvr>
+    <a:masterClrMapping/>
+  </p:clrMapOvr>
+</p:sld>
+</file>
+
 <file path=ppt/slides/slide2.xml><?xml version="1.0" encoding="utf-8"?>
 <p:sld xmlns:a="http://schemas.openxmlformats.org/drawingml/2006/main" xmlns:r="http://schemas.openxmlformats.org/officeDocument/2006/relationships" xmlns:p="http://schemas.openxmlformats.org/presentationml/2006/main">
   <p:cSld>
@@ -3289,6 +6146,647 @@
           <a:lstStyle/>
           <a:p>
             <a:r>
+              <a:rPr lang="en-GB" dirty="0" err="1" smtClean="0"/>
+              <a:t>Mục</a:t>
+            </a:r>
+            <a:r>
+              <a:rPr lang="en-GB" dirty="0" smtClean="0"/>
+              <a:t> </a:t>
+            </a:r>
+            <a:r>
+              <a:rPr lang="en-GB" dirty="0" err="1" smtClean="0"/>
+              <a:t>tiêu</a:t>
+            </a:r>
+            <a:endParaRPr lang="en-GB" dirty="0"/>
+          </a:p>
+        </p:txBody>
+      </p:sp>
+      <p:sp>
+        <p:nvSpPr>
+          <p:cNvPr id="3" name="Content Placeholder 2"/>
+          <p:cNvSpPr>
+            <a:spLocks noGrp="1"/>
+          </p:cNvSpPr>
+          <p:nvPr>
+            <p:ph idx="1"/>
+          </p:nvPr>
+        </p:nvSpPr>
+        <p:spPr/>
+        <p:txBody>
+          <a:bodyPr/>
+          <a:lstStyle/>
+          <a:p>
+            <a:r>
+              <a:rPr lang="en-GB" dirty="0" err="1" smtClean="0"/>
+              <a:t>Cú</a:t>
+            </a:r>
+            <a:r>
+              <a:rPr lang="en-GB" dirty="0" smtClean="0"/>
+              <a:t> </a:t>
+            </a:r>
+            <a:r>
+              <a:rPr lang="en-GB" dirty="0" err="1" smtClean="0"/>
+              <a:t>pháp</a:t>
+            </a:r>
+            <a:r>
+              <a:rPr lang="en-GB" dirty="0" smtClean="0"/>
+              <a:t> JS </a:t>
+            </a:r>
+            <a:r>
+              <a:rPr lang="en-GB" dirty="0" err="1" smtClean="0"/>
+              <a:t>và</a:t>
+            </a:r>
+            <a:r>
+              <a:rPr lang="en-GB" dirty="0" smtClean="0"/>
+              <a:t> </a:t>
+            </a:r>
+            <a:r>
+              <a:rPr lang="en-GB" dirty="0" err="1" smtClean="0"/>
+              <a:t>jQuery</a:t>
+            </a:r>
+            <a:endParaRPr lang="en-GB" dirty="0" smtClean="0"/>
+          </a:p>
+          <a:p>
+            <a:pPr lvl="1"/>
+            <a:r>
+              <a:rPr lang="vi-VN" dirty="0" smtClean="0"/>
+              <a:t>Ư</a:t>
+            </a:r>
+            <a:r>
+              <a:rPr lang="en-GB" dirty="0" smtClean="0"/>
+              <a:t>u </a:t>
+            </a:r>
+            <a:r>
+              <a:rPr lang="en-GB" dirty="0" err="1" smtClean="0"/>
+              <a:t>điểm</a:t>
+            </a:r>
+            <a:r>
+              <a:rPr lang="en-GB" dirty="0" smtClean="0"/>
+              <a:t> </a:t>
+            </a:r>
+            <a:r>
+              <a:rPr lang="en-GB" dirty="0" err="1" smtClean="0"/>
+              <a:t>của</a:t>
+            </a:r>
+            <a:r>
+              <a:rPr lang="en-GB" dirty="0" smtClean="0"/>
+              <a:t> </a:t>
+            </a:r>
+            <a:r>
+              <a:rPr lang="en-GB" dirty="0" err="1" smtClean="0"/>
+              <a:t>jQuery</a:t>
+            </a:r>
+            <a:endParaRPr lang="en-GB" dirty="0" smtClean="0"/>
+          </a:p>
+          <a:p>
+            <a:pPr lvl="1"/>
+            <a:r>
+              <a:rPr lang="en-GB" dirty="0" err="1" smtClean="0"/>
+              <a:t>Cú</a:t>
+            </a:r>
+            <a:r>
+              <a:rPr lang="en-GB" dirty="0" smtClean="0"/>
+              <a:t> </a:t>
+            </a:r>
+            <a:r>
+              <a:rPr lang="en-GB" dirty="0" err="1" smtClean="0"/>
+              <a:t>pháp</a:t>
+            </a:r>
+            <a:r>
+              <a:rPr lang="en-GB" dirty="0" smtClean="0"/>
+              <a:t> </a:t>
+            </a:r>
+            <a:r>
+              <a:rPr lang="en-GB" dirty="0" err="1" smtClean="0"/>
+              <a:t>và</a:t>
+            </a:r>
+            <a:r>
+              <a:rPr lang="en-GB" dirty="0" smtClean="0"/>
+              <a:t> </a:t>
+            </a:r>
+            <a:r>
+              <a:rPr lang="en-GB" dirty="0" err="1"/>
+              <a:t>c</a:t>
+            </a:r>
+            <a:r>
+              <a:rPr lang="en-GB" dirty="0" err="1" smtClean="0"/>
+              <a:t>ách</a:t>
+            </a:r>
+            <a:r>
+              <a:rPr lang="en-GB" dirty="0" smtClean="0"/>
+              <a:t> </a:t>
+            </a:r>
+            <a:r>
+              <a:rPr lang="en-GB" dirty="0" err="1" smtClean="0"/>
+              <a:t>sử</a:t>
+            </a:r>
+            <a:r>
+              <a:rPr lang="en-GB" dirty="0" smtClean="0"/>
+              <a:t> </a:t>
+            </a:r>
+            <a:r>
+              <a:rPr lang="en-GB" dirty="0" err="1" smtClean="0"/>
+              <a:t>dụng</a:t>
+            </a:r>
+            <a:r>
+              <a:rPr lang="en-GB" dirty="0" smtClean="0"/>
+              <a:t> </a:t>
+            </a:r>
+            <a:r>
+              <a:rPr lang="en-GB" dirty="0" err="1" smtClean="0"/>
+              <a:t>jQuery</a:t>
+            </a:r>
+            <a:endParaRPr lang="en-GB" dirty="0" smtClean="0"/>
+          </a:p>
+          <a:p>
+            <a:r>
+              <a:rPr lang="en-GB" dirty="0" smtClean="0"/>
+              <a:t>Ajax </a:t>
+            </a:r>
+            <a:r>
+              <a:rPr lang="en-GB" dirty="0" err="1" smtClean="0"/>
+              <a:t>trong</a:t>
+            </a:r>
+            <a:r>
+              <a:rPr lang="en-GB" dirty="0" smtClean="0"/>
+              <a:t> </a:t>
+            </a:r>
+            <a:r>
+              <a:rPr lang="en-GB" dirty="0" err="1" smtClean="0"/>
+              <a:t>jQuery</a:t>
+            </a:r>
+            <a:endParaRPr lang="en-GB" dirty="0" smtClean="0"/>
+          </a:p>
+          <a:p>
+            <a:r>
+              <a:rPr lang="en-GB" dirty="0" smtClean="0"/>
+              <a:t>Layout website</a:t>
+            </a:r>
+            <a:endParaRPr lang="en-GB" dirty="0"/>
+          </a:p>
+        </p:txBody>
+      </p:sp>
+    </p:spTree>
+    <p:extLst>
+      <p:ext uri="{BB962C8B-B14F-4D97-AF65-F5344CB8AC3E}">
+        <p14:creationId xmlns:p14="http://schemas.microsoft.com/office/powerpoint/2010/main" val="908203134"/>
+      </p:ext>
+    </p:extLst>
+  </p:cSld>
+  <p:clrMapOvr>
+    <a:masterClrMapping/>
+  </p:clrMapOvr>
+</p:sld>
+</file>
+
+<file path=ppt/slides/slide20.xml><?xml version="1.0" encoding="utf-8"?>
+<p:sld xmlns:a="http://schemas.openxmlformats.org/drawingml/2006/main" xmlns:r="http://schemas.openxmlformats.org/officeDocument/2006/relationships" xmlns:p="http://schemas.openxmlformats.org/presentationml/2006/main">
+  <p:cSld>
+    <p:spTree>
+      <p:nvGrpSpPr>
+        <p:cNvPr id="1" name=""/>
+        <p:cNvGrpSpPr/>
+        <p:nvPr/>
+      </p:nvGrpSpPr>
+      <p:grpSpPr>
+        <a:xfrm>
+          <a:off x="0" y="0"/>
+          <a:ext cx="0" cy="0"/>
+          <a:chOff x="0" y="0"/>
+          <a:chExt cx="0" cy="0"/>
+        </a:xfrm>
+      </p:grpSpPr>
+      <p:sp>
+        <p:nvSpPr>
+          <p:cNvPr id="2" name="Title 1"/>
+          <p:cNvSpPr>
+            <a:spLocks noGrp="1"/>
+          </p:cNvSpPr>
+          <p:nvPr>
+            <p:ph type="title"/>
+          </p:nvPr>
+        </p:nvSpPr>
+        <p:spPr/>
+        <p:txBody>
+          <a:bodyPr/>
+          <a:lstStyle/>
+          <a:p>
+            <a:r>
+              <a:rPr lang="en-GB" dirty="0" smtClean="0"/>
+              <a:t>Demo Ajax</a:t>
+            </a:r>
+            <a:endParaRPr lang="en-GB" dirty="0"/>
+          </a:p>
+        </p:txBody>
+      </p:sp>
+      <p:pic>
+        <p:nvPicPr>
+          <p:cNvPr id="4" name="Picture 3"/>
+          <p:cNvPicPr/>
+          <p:nvPr/>
+        </p:nvPicPr>
+        <p:blipFill>
+          <a:blip r:embed="rId3"/>
+          <a:stretch>
+            <a:fillRect/>
+          </a:stretch>
+        </p:blipFill>
+        <p:spPr>
+          <a:xfrm>
+            <a:off x="685800" y="1371600"/>
+            <a:ext cx="5943600" cy="2420620"/>
+          </a:xfrm>
+          <a:prstGeom prst="rect">
+            <a:avLst/>
+          </a:prstGeom>
+        </p:spPr>
+        <p:style>
+          <a:lnRef idx="2">
+            <a:schemeClr val="accent4"/>
+          </a:lnRef>
+          <a:fillRef idx="1">
+            <a:schemeClr val="lt1"/>
+          </a:fillRef>
+          <a:effectRef idx="0">
+            <a:schemeClr val="accent4"/>
+          </a:effectRef>
+          <a:fontRef idx="minor">
+            <a:schemeClr val="dk1"/>
+          </a:fontRef>
+        </p:style>
+      </p:pic>
+      <p:sp>
+        <p:nvSpPr>
+          <p:cNvPr id="5" name="Right Arrow 4"/>
+          <p:cNvSpPr/>
+          <p:nvPr/>
+        </p:nvSpPr>
+        <p:spPr>
+          <a:xfrm>
+            <a:off x="6629400" y="2209800"/>
+            <a:ext cx="609600" cy="609600"/>
+          </a:xfrm>
+          <a:prstGeom prst="rightArrow">
+            <a:avLst/>
+          </a:prstGeom>
+        </p:spPr>
+        <p:style>
+          <a:lnRef idx="2">
+            <a:schemeClr val="accent1">
+              <a:shade val="50000"/>
+            </a:schemeClr>
+          </a:lnRef>
+          <a:fillRef idx="1">
+            <a:schemeClr val="accent1"/>
+          </a:fillRef>
+          <a:effectRef idx="0">
+            <a:schemeClr val="accent1"/>
+          </a:effectRef>
+          <a:fontRef idx="minor">
+            <a:schemeClr val="lt1"/>
+          </a:fontRef>
+        </p:style>
+        <p:txBody>
+          <a:bodyPr rtlCol="0" anchor="ctr"/>
+          <a:lstStyle/>
+          <a:p>
+            <a:pPr algn="ctr"/>
+            <a:endParaRPr lang="en-GB"/>
+          </a:p>
+        </p:txBody>
+      </p:sp>
+      <p:sp>
+        <p:nvSpPr>
+          <p:cNvPr id="6" name="Rounded Rectangle 5"/>
+          <p:cNvSpPr/>
+          <p:nvPr/>
+        </p:nvSpPr>
+        <p:spPr>
+          <a:xfrm>
+            <a:off x="7391400" y="1600200"/>
+            <a:ext cx="1600200" cy="1676400"/>
+          </a:xfrm>
+          <a:prstGeom prst="roundRect">
+            <a:avLst/>
+          </a:prstGeom>
+        </p:spPr>
+        <p:style>
+          <a:lnRef idx="2">
+            <a:schemeClr val="accent1">
+              <a:shade val="50000"/>
+            </a:schemeClr>
+          </a:lnRef>
+          <a:fillRef idx="1">
+            <a:schemeClr val="accent1"/>
+          </a:fillRef>
+          <a:effectRef idx="0">
+            <a:schemeClr val="accent1"/>
+          </a:effectRef>
+          <a:fontRef idx="minor">
+            <a:schemeClr val="lt1"/>
+          </a:fontRef>
+        </p:style>
+        <p:txBody>
+          <a:bodyPr rtlCol="0" anchor="ctr"/>
+          <a:lstStyle/>
+          <a:p>
+            <a:pPr algn="ctr"/>
+            <a:r>
+              <a:rPr lang="en-GB" sz="2800" dirty="0" smtClean="0"/>
+              <a:t>JS</a:t>
+            </a:r>
+            <a:endParaRPr lang="en-GB" sz="2800" dirty="0"/>
+          </a:p>
+        </p:txBody>
+      </p:sp>
+      <p:pic>
+        <p:nvPicPr>
+          <p:cNvPr id="3074" name="Picture 2"/>
+          <p:cNvPicPr>
+            <a:picLocks noChangeAspect="1" noChangeArrowheads="1"/>
+          </p:cNvPicPr>
+          <p:nvPr/>
+        </p:nvPicPr>
+        <p:blipFill>
+          <a:blip r:embed="rId4">
+            <a:extLst>
+              <a:ext uri="{28A0092B-C50C-407E-A947-70E740481C1C}">
+                <a14:useLocalDpi xmlns:a14="http://schemas.microsoft.com/office/drawing/2010/main" val="0"/>
+              </a:ext>
+            </a:extLst>
+          </a:blip>
+          <a:srcRect/>
+          <a:stretch>
+            <a:fillRect/>
+          </a:stretch>
+        </p:blipFill>
+        <p:spPr bwMode="auto">
+          <a:xfrm>
+            <a:off x="152400" y="4800600"/>
+            <a:ext cx="7010400" cy="1295400"/>
+          </a:xfrm>
+          <a:prstGeom prst="rect">
+            <a:avLst/>
+          </a:prstGeom>
+          <a:ln/>
+        </p:spPr>
+        <p:style>
+          <a:lnRef idx="2">
+            <a:schemeClr val="accent3"/>
+          </a:lnRef>
+          <a:fillRef idx="1">
+            <a:schemeClr val="lt1"/>
+          </a:fillRef>
+          <a:effectRef idx="0">
+            <a:schemeClr val="accent3"/>
+          </a:effectRef>
+          <a:fontRef idx="minor">
+            <a:schemeClr val="dk1"/>
+          </a:fontRef>
+        </p:style>
+      </p:pic>
+      <p:sp>
+        <p:nvSpPr>
+          <p:cNvPr id="8" name="Right Arrow 7"/>
+          <p:cNvSpPr/>
+          <p:nvPr/>
+        </p:nvSpPr>
+        <p:spPr>
+          <a:xfrm>
+            <a:off x="6940826" y="4876800"/>
+            <a:ext cx="609600" cy="609600"/>
+          </a:xfrm>
+          <a:prstGeom prst="rightArrow">
+            <a:avLst/>
+          </a:prstGeom>
+        </p:spPr>
+        <p:style>
+          <a:lnRef idx="2">
+            <a:schemeClr val="accent1">
+              <a:shade val="50000"/>
+            </a:schemeClr>
+          </a:lnRef>
+          <a:fillRef idx="1">
+            <a:schemeClr val="accent1"/>
+          </a:fillRef>
+          <a:effectRef idx="0">
+            <a:schemeClr val="accent1"/>
+          </a:effectRef>
+          <a:fontRef idx="minor">
+            <a:schemeClr val="lt1"/>
+          </a:fontRef>
+        </p:style>
+        <p:txBody>
+          <a:bodyPr rtlCol="0" anchor="ctr"/>
+          <a:lstStyle/>
+          <a:p>
+            <a:pPr algn="ctr"/>
+            <a:endParaRPr lang="en-GB"/>
+          </a:p>
+        </p:txBody>
+      </p:sp>
+      <p:sp>
+        <p:nvSpPr>
+          <p:cNvPr id="9" name="Rounded Rectangle 8"/>
+          <p:cNvSpPr/>
+          <p:nvPr/>
+        </p:nvSpPr>
+        <p:spPr>
+          <a:xfrm>
+            <a:off x="7474226" y="4267200"/>
+            <a:ext cx="1600200" cy="1676400"/>
+          </a:xfrm>
+          <a:prstGeom prst="roundRect">
+            <a:avLst>
+              <a:gd name="adj" fmla="val 9214"/>
+            </a:avLst>
+          </a:prstGeom>
+        </p:spPr>
+        <p:style>
+          <a:lnRef idx="2">
+            <a:schemeClr val="accent1">
+              <a:shade val="50000"/>
+            </a:schemeClr>
+          </a:lnRef>
+          <a:fillRef idx="1">
+            <a:schemeClr val="accent1"/>
+          </a:fillRef>
+          <a:effectRef idx="0">
+            <a:schemeClr val="accent1"/>
+          </a:effectRef>
+          <a:fontRef idx="minor">
+            <a:schemeClr val="lt1"/>
+          </a:fontRef>
+        </p:style>
+        <p:txBody>
+          <a:bodyPr rtlCol="0" anchor="ctr"/>
+          <a:lstStyle/>
+          <a:p>
+            <a:pPr algn="ctr"/>
+            <a:r>
+              <a:rPr lang="en-GB" sz="2800" dirty="0" smtClean="0"/>
+              <a:t>JQUERY</a:t>
+            </a:r>
+            <a:endParaRPr lang="en-GB" sz="2800" dirty="0"/>
+          </a:p>
+        </p:txBody>
+      </p:sp>
+    </p:spTree>
+    <p:extLst>
+      <p:ext uri="{BB962C8B-B14F-4D97-AF65-F5344CB8AC3E}">
+        <p14:creationId xmlns:p14="http://schemas.microsoft.com/office/powerpoint/2010/main" val="1093497645"/>
+      </p:ext>
+    </p:extLst>
+  </p:cSld>
+  <p:clrMapOvr>
+    <a:masterClrMapping/>
+  </p:clrMapOvr>
+</p:sld>
+</file>
+
+<file path=ppt/slides/slide21.xml><?xml version="1.0" encoding="utf-8"?>
+<p:sld xmlns:a="http://schemas.openxmlformats.org/drawingml/2006/main" xmlns:r="http://schemas.openxmlformats.org/officeDocument/2006/relationships" xmlns:p="http://schemas.openxmlformats.org/presentationml/2006/main">
+  <p:cSld>
+    <p:spTree>
+      <p:nvGrpSpPr>
+        <p:cNvPr id="1" name=""/>
+        <p:cNvGrpSpPr/>
+        <p:nvPr/>
+      </p:nvGrpSpPr>
+      <p:grpSpPr>
+        <a:xfrm>
+          <a:off x="0" y="0"/>
+          <a:ext cx="0" cy="0"/>
+          <a:chOff x="0" y="0"/>
+          <a:chExt cx="0" cy="0"/>
+        </a:xfrm>
+      </p:grpSpPr>
+      <p:sp>
+        <p:nvSpPr>
+          <p:cNvPr id="4" name="AutoShape 2" descr="Image result for THANK YOU"/>
+          <p:cNvSpPr>
+            <a:spLocks noChangeAspect="1" noChangeArrowheads="1"/>
+          </p:cNvSpPr>
+          <p:nvPr/>
+        </p:nvSpPr>
+        <p:spPr bwMode="auto">
+          <a:xfrm>
+            <a:off x="155575" y="-144463"/>
+            <a:ext cx="304800" cy="304801"/>
+          </a:xfrm>
+          <a:prstGeom prst="rect">
+            <a:avLst/>
+          </a:prstGeom>
+          <a:noFill/>
+          <a:extLst>
+            <a:ext uri="{909E8E84-426E-40DD-AFC4-6F175D3DCCD1}">
+              <a14:hiddenFill xmlns:a14="http://schemas.microsoft.com/office/drawing/2010/main">
+                <a:solidFill>
+                  <a:srgbClr val="FFFFFF"/>
+                </a:solidFill>
+              </a14:hiddenFill>
+            </a:ext>
+          </a:extLst>
+        </p:spPr>
+        <p:txBody>
+          <a:bodyPr vert="horz" wrap="square" lIns="91440" tIns="45720" rIns="91440" bIns="45720" numCol="1" anchor="t" anchorCtr="0" compatLnSpc="1">
+            <a:prstTxWarp prst="textNoShape">
+              <a:avLst/>
+            </a:prstTxWarp>
+          </a:bodyPr>
+          <a:lstStyle/>
+          <a:p>
+            <a:endParaRPr lang="en-GB"/>
+          </a:p>
+        </p:txBody>
+      </p:sp>
+      <p:pic>
+        <p:nvPicPr>
+          <p:cNvPr id="2052" name="Picture 4" descr="Image result for THANK YOU"/>
+          <p:cNvPicPr>
+            <a:picLocks noChangeAspect="1" noChangeArrowheads="1"/>
+          </p:cNvPicPr>
+          <p:nvPr/>
+        </p:nvPicPr>
+        <p:blipFill>
+          <a:blip r:embed="rId2">
+            <a:extLst>
+              <a:ext uri="{28A0092B-C50C-407E-A947-70E740481C1C}">
+                <a14:useLocalDpi xmlns:a14="http://schemas.microsoft.com/office/drawing/2010/main" val="0"/>
+              </a:ext>
+            </a:extLst>
+          </a:blip>
+          <a:srcRect/>
+          <a:stretch>
+            <a:fillRect/>
+          </a:stretch>
+        </p:blipFill>
+        <p:spPr bwMode="auto">
+          <a:xfrm>
+            <a:off x="2209800" y="1447800"/>
+            <a:ext cx="4762500" cy="3400426"/>
+          </a:xfrm>
+          <a:prstGeom prst="rect">
+            <a:avLst/>
+          </a:prstGeom>
+          <a:noFill/>
+          <a:extLst>
+            <a:ext uri="{909E8E84-426E-40DD-AFC4-6F175D3DCCD1}">
+              <a14:hiddenFill xmlns:a14="http://schemas.microsoft.com/office/drawing/2010/main">
+                <a:solidFill>
+                  <a:srgbClr val="FFFFFF"/>
+                </a:solidFill>
+              </a14:hiddenFill>
+            </a:ext>
+          </a:extLst>
+        </p:spPr>
+      </p:pic>
+    </p:spTree>
+    <p:extLst>
+      <p:ext uri="{BB962C8B-B14F-4D97-AF65-F5344CB8AC3E}">
+        <p14:creationId xmlns:p14="http://schemas.microsoft.com/office/powerpoint/2010/main" val="2820923450"/>
+      </p:ext>
+    </p:extLst>
+  </p:cSld>
+  <p:clrMapOvr>
+    <a:masterClrMapping/>
+  </p:clrMapOvr>
+</p:sld>
+</file>
+
+<file path=ppt/slides/slide3.xml><?xml version="1.0" encoding="utf-8"?>
+<p:sld xmlns:a="http://schemas.openxmlformats.org/drawingml/2006/main" xmlns:r="http://schemas.openxmlformats.org/officeDocument/2006/relationships" xmlns:p="http://schemas.openxmlformats.org/presentationml/2006/main">
+  <p:cSld>
+    <p:spTree>
+      <p:nvGrpSpPr>
+        <p:cNvPr id="1" name=""/>
+        <p:cNvGrpSpPr/>
+        <p:nvPr/>
+      </p:nvGrpSpPr>
+      <p:grpSpPr>
+        <a:xfrm>
+          <a:off x="0" y="0"/>
+          <a:ext cx="0" cy="0"/>
+          <a:chOff x="0" y="0"/>
+          <a:chExt cx="0" cy="0"/>
+        </a:xfrm>
+      </p:grpSpPr>
+      <p:sp>
+        <p:nvSpPr>
+          <p:cNvPr id="2" name="Title 1"/>
+          <p:cNvSpPr>
+            <a:spLocks noGrp="1"/>
+          </p:cNvSpPr>
+          <p:nvPr>
+            <p:ph type="title"/>
+          </p:nvPr>
+        </p:nvSpPr>
+        <p:spPr/>
+        <p:txBody>
+          <a:bodyPr/>
+          <a:lstStyle/>
+          <a:p>
+            <a:r>
               <a:rPr lang="en-US" dirty="0" smtClean="0"/>
               <a:t>What is jQuery?</a:t>
             </a:r>
@@ -3328,8 +6826,8 @@
               <a:t> </a:t>
             </a:r>
             <a:r>
-              <a:rPr lang="en-US" dirty="0" err="1" smtClean="0"/>
-              <a:t>JavaScrip</a:t>
+              <a:rPr lang="en-US" dirty="0" smtClean="0"/>
+              <a:t>JavaScript</a:t>
             </a:r>
             <a:endParaRPr lang="en-US" dirty="0" smtClean="0"/>
           </a:p>
@@ -3491,7 +6989,7 @@
 </p:sld>
 </file>
 
-<file path=ppt/slides/slide3.xml><?xml version="1.0" encoding="utf-8"?>
+<file path=ppt/slides/slide4.xml><?xml version="1.0" encoding="utf-8"?>
 <p:sld xmlns:a="http://schemas.openxmlformats.org/drawingml/2006/main" xmlns:r="http://schemas.openxmlformats.org/officeDocument/2006/relationships" xmlns:p="http://schemas.openxmlformats.org/presentationml/2006/main">
   <p:cSld>
     <p:spTree>
@@ -3518,6 +7016,272 @@
             <p:ph type="title"/>
           </p:nvPr>
         </p:nvSpPr>
+        <p:spPr/>
+        <p:txBody>
+          <a:bodyPr/>
+          <a:lstStyle/>
+          <a:p>
+            <a:r>
+              <a:rPr lang="en-GB" dirty="0" err="1" smtClean="0"/>
+              <a:t>Câu</a:t>
+            </a:r>
+            <a:r>
+              <a:rPr lang="en-GB" dirty="0" smtClean="0"/>
+              <a:t> </a:t>
+            </a:r>
+            <a:r>
+              <a:rPr lang="en-GB" dirty="0" err="1" smtClean="0"/>
+              <a:t>hỏi</a:t>
+            </a:r>
+            <a:endParaRPr lang="en-GB" dirty="0"/>
+          </a:p>
+        </p:txBody>
+      </p:sp>
+      <p:pic>
+        <p:nvPicPr>
+          <p:cNvPr id="4098" name="Picture 2" descr="Image result for jquery"/>
+          <p:cNvPicPr>
+            <a:picLocks noChangeAspect="1" noChangeArrowheads="1"/>
+          </p:cNvPicPr>
+          <p:nvPr/>
+        </p:nvPicPr>
+        <p:blipFill>
+          <a:blip r:embed="rId2">
+            <a:extLst>
+              <a:ext uri="{28A0092B-C50C-407E-A947-70E740481C1C}">
+                <a14:useLocalDpi xmlns:a14="http://schemas.microsoft.com/office/drawing/2010/main" val="0"/>
+              </a:ext>
+            </a:extLst>
+          </a:blip>
+          <a:srcRect/>
+          <a:stretch>
+            <a:fillRect/>
+          </a:stretch>
+        </p:blipFill>
+        <p:spPr bwMode="auto">
+          <a:xfrm>
+            <a:off x="1600199" y="1676400"/>
+            <a:ext cx="5960533" cy="3352800"/>
+          </a:xfrm>
+          <a:prstGeom prst="rect">
+            <a:avLst/>
+          </a:prstGeom>
+          <a:noFill/>
+          <a:extLst>
+            <a:ext uri="{909E8E84-426E-40DD-AFC4-6F175D3DCCD1}">
+              <a14:hiddenFill xmlns:a14="http://schemas.microsoft.com/office/drawing/2010/main">
+                <a:solidFill>
+                  <a:srgbClr val="FFFFFF"/>
+                </a:solidFill>
+              </a14:hiddenFill>
+            </a:ext>
+          </a:extLst>
+        </p:spPr>
+      </p:pic>
+      <p:sp>
+        <p:nvSpPr>
+          <p:cNvPr id="4" name="Content Placeholder 3"/>
+          <p:cNvSpPr>
+            <a:spLocks noGrp="1"/>
+          </p:cNvSpPr>
+          <p:nvPr>
+            <p:ph idx="1"/>
+          </p:nvPr>
+        </p:nvSpPr>
+        <p:spPr/>
+        <p:txBody>
+          <a:bodyPr/>
+          <a:lstStyle/>
+          <a:p>
+            <a:endParaRPr lang="en-GB"/>
+          </a:p>
+        </p:txBody>
+      </p:sp>
+    </p:spTree>
+    <p:extLst>
+      <p:ext uri="{BB962C8B-B14F-4D97-AF65-F5344CB8AC3E}">
+        <p14:creationId xmlns:p14="http://schemas.microsoft.com/office/powerpoint/2010/main" val="182301091"/>
+      </p:ext>
+    </p:extLst>
+  </p:cSld>
+  <p:clrMapOvr>
+    <a:masterClrMapping/>
+  </p:clrMapOvr>
+</p:sld>
+</file>
+
+<file path=ppt/slides/slide5.xml><?xml version="1.0" encoding="utf-8"?>
+<p:sld xmlns:a="http://schemas.openxmlformats.org/drawingml/2006/main" xmlns:r="http://schemas.openxmlformats.org/officeDocument/2006/relationships" xmlns:p="http://schemas.openxmlformats.org/presentationml/2006/main">
+  <p:cSld>
+    <p:spTree>
+      <p:nvGrpSpPr>
+        <p:cNvPr id="1" name=""/>
+        <p:cNvGrpSpPr/>
+        <p:nvPr/>
+      </p:nvGrpSpPr>
+      <p:grpSpPr>
+        <a:xfrm>
+          <a:off x="0" y="0"/>
+          <a:ext cx="0" cy="0"/>
+          <a:chOff x="0" y="0"/>
+          <a:chExt cx="0" cy="0"/>
+        </a:xfrm>
+      </p:grpSpPr>
+      <p:sp>
+        <p:nvSpPr>
+          <p:cNvPr id="3" name="Content Placeholder 2"/>
+          <p:cNvSpPr>
+            <a:spLocks noGrp="1"/>
+          </p:cNvSpPr>
+          <p:nvPr>
+            <p:ph idx="1"/>
+          </p:nvPr>
+        </p:nvSpPr>
+        <p:spPr>
+          <a:xfrm>
+            <a:off x="457200" y="2514600"/>
+            <a:ext cx="8229600" cy="762000"/>
+          </a:xfrm>
+        </p:spPr>
+        <p:txBody>
+          <a:bodyPr/>
+          <a:lstStyle/>
+          <a:p>
+            <a:pPr marL="0" indent="0">
+              <a:buNone/>
+            </a:pPr>
+            <a:r>
+              <a:rPr lang="en-GB" dirty="0" smtClean="0"/>
+              <a:t>     </a:t>
+            </a:r>
+            <a:r>
+              <a:rPr lang="en-GB" dirty="0" err="1" smtClean="0"/>
+              <a:t>Lấy</a:t>
+            </a:r>
+            <a:r>
+              <a:rPr lang="en-GB" dirty="0" smtClean="0"/>
+              <a:t> </a:t>
+            </a:r>
+            <a:r>
+              <a:rPr lang="en-GB" dirty="0" err="1" smtClean="0"/>
+              <a:t>tất</a:t>
+            </a:r>
+            <a:r>
+              <a:rPr lang="en-GB" dirty="0" smtClean="0"/>
+              <a:t> </a:t>
+            </a:r>
+            <a:r>
+              <a:rPr lang="en-GB" dirty="0" err="1" smtClean="0"/>
+              <a:t>cả</a:t>
+            </a:r>
+            <a:r>
+              <a:rPr lang="en-GB" dirty="0" smtClean="0"/>
+              <a:t> </a:t>
+            </a:r>
+            <a:r>
+              <a:rPr lang="en-GB" dirty="0" err="1" smtClean="0"/>
+              <a:t>các</a:t>
+            </a:r>
+            <a:r>
+              <a:rPr lang="en-GB" dirty="0" smtClean="0"/>
+              <a:t> </a:t>
+            </a:r>
+            <a:r>
+              <a:rPr lang="en-GB" dirty="0" err="1" smtClean="0"/>
+              <a:t>thẻ</a:t>
+            </a:r>
+            <a:r>
+              <a:rPr lang="en-GB" dirty="0" smtClean="0"/>
+              <a:t> </a:t>
+            </a:r>
+            <a:r>
+              <a:rPr lang="en-GB" b="1" dirty="0" smtClean="0"/>
+              <a:t>a</a:t>
+            </a:r>
+            <a:r>
+              <a:rPr lang="en-GB" dirty="0" smtClean="0"/>
+              <a:t> </a:t>
+            </a:r>
+            <a:r>
+              <a:rPr lang="en-GB" dirty="0" err="1" smtClean="0"/>
+              <a:t>và</a:t>
+            </a:r>
+            <a:r>
+              <a:rPr lang="en-GB" dirty="0" smtClean="0"/>
+              <a:t> </a:t>
+            </a:r>
+            <a:r>
+              <a:rPr lang="en-GB" dirty="0" err="1" smtClean="0"/>
+              <a:t>đổi</a:t>
+            </a:r>
+            <a:r>
+              <a:rPr lang="en-GB" dirty="0" smtClean="0"/>
+              <a:t> </a:t>
+            </a:r>
+            <a:r>
+              <a:rPr lang="en-GB" b="1" dirty="0" err="1" smtClean="0"/>
+              <a:t>color</a:t>
+            </a:r>
+            <a:r>
+              <a:rPr lang="en-GB" dirty="0" smtClean="0"/>
+              <a:t> </a:t>
+            </a:r>
+            <a:r>
+              <a:rPr lang="en-GB" dirty="0" err="1" smtClean="0"/>
+              <a:t>thành</a:t>
+            </a:r>
+            <a:r>
+              <a:rPr lang="en-GB" dirty="0" smtClean="0"/>
+              <a:t> </a:t>
+            </a:r>
+            <a:r>
+              <a:rPr lang="en-GB" b="1" dirty="0" smtClean="0"/>
+              <a:t>red</a:t>
+            </a:r>
+            <a:endParaRPr lang="en-GB" b="1" dirty="0"/>
+          </a:p>
+        </p:txBody>
+      </p:sp>
+    </p:spTree>
+    <p:extLst>
+      <p:ext uri="{BB962C8B-B14F-4D97-AF65-F5344CB8AC3E}">
+        <p14:creationId xmlns:p14="http://schemas.microsoft.com/office/powerpoint/2010/main" val="4023863884"/>
+      </p:ext>
+    </p:extLst>
+  </p:cSld>
+  <p:clrMapOvr>
+    <a:masterClrMapping/>
+  </p:clrMapOvr>
+</p:sld>
+</file>
+
+<file path=ppt/slides/slide6.xml><?xml version="1.0" encoding="utf-8"?>
+<p:sld xmlns:a="http://schemas.openxmlformats.org/drawingml/2006/main" xmlns:r="http://schemas.openxmlformats.org/officeDocument/2006/relationships" xmlns:p="http://schemas.openxmlformats.org/presentationml/2006/main">
+  <p:cSld>
+    <p:spTree>
+      <p:nvGrpSpPr>
+        <p:cNvPr id="1" name=""/>
+        <p:cNvGrpSpPr/>
+        <p:nvPr/>
+      </p:nvGrpSpPr>
+      <p:grpSpPr>
+        <a:xfrm>
+          <a:off x="0" y="0"/>
+          <a:ext cx="0" cy="0"/>
+          <a:chOff x="0" y="0"/>
+          <a:chExt cx="0" cy="0"/>
+        </a:xfrm>
+      </p:grpSpPr>
+      <p:sp>
+        <p:nvSpPr>
+          <p:cNvPr id="2" name="Title 1"/>
+          <p:cNvSpPr>
+            <a:spLocks noGrp="1"/>
+          </p:cNvSpPr>
+          <p:nvPr>
+            <p:ph type="title"/>
+          </p:nvPr>
+        </p:nvSpPr>
         <p:spPr>
           <a:xfrm>
             <a:off x="457200" y="381000"/>
@@ -3534,15 +7298,23 @@
             </a:r>
             <a:r>
               <a:rPr lang="en-US" dirty="0" smtClean="0"/>
-              <a:t>: JS vs j</a:t>
-            </a:r>
-            <a:r>
-              <a:rPr lang="en-US" dirty="0"/>
-              <a:t>Q</a:t>
+              <a:t>: </a:t>
             </a:r>
             <a:r>
               <a:rPr lang="en-US" dirty="0" smtClean="0"/>
-              <a:t>uery</a:t>
+              <a:t>JS </a:t>
+            </a:r>
+            <a:r>
+              <a:rPr lang="en-US" dirty="0" err="1" smtClean="0"/>
+              <a:t>vs</a:t>
+            </a:r>
+            <a:r>
+              <a:rPr lang="en-US" dirty="0" smtClean="0"/>
+              <a:t> </a:t>
+            </a:r>
+            <a:r>
+              <a:rPr lang="en-US" dirty="0" err="1" smtClean="0"/>
+              <a:t>jQuery</a:t>
             </a:r>
             <a:endParaRPr lang="en-US" dirty="0"/>
           </a:p>
@@ -3766,7 +7538,7 @@
         <p:spPr>
           <a:xfrm>
             <a:off x="2133600" y="5867400"/>
-            <a:ext cx="4741234" cy="477054"/>
+            <a:ext cx="5486054" cy="477054"/>
           </a:xfrm>
           <a:prstGeom prst="rect">
             <a:avLst/>
@@ -3821,15 +7593,23 @@
             </a:r>
             <a:r>
               <a:rPr lang="en-US" sz="2500" dirty="0" err="1" smtClean="0"/>
-              <a:t>dễ</a:t>
+              <a:t>gọn</a:t>
             </a:r>
             <a:r>
               <a:rPr lang="en-US" sz="2500" dirty="0" smtClean="0"/>
-              <a:t> </a:t>
+              <a:t>, </a:t>
             </a:r>
             <a:r>
               <a:rPr lang="en-US" sz="2500" dirty="0" err="1" smtClean="0"/>
-              <a:t>dàng</a:t>
+              <a:t>đơn</a:t>
+            </a:r>
+            <a:r>
+              <a:rPr lang="en-US" sz="2500" dirty="0" smtClean="0"/>
+              <a:t> </a:t>
+            </a:r>
+            <a:r>
+              <a:rPr lang="en-US" sz="2500" dirty="0" err="1" smtClean="0"/>
+              <a:t>giản</a:t>
             </a:r>
             <a:endParaRPr lang="en-US" sz="2500" dirty="0"/>
           </a:p>
@@ -3839,6 +7619,1133 @@
     <p:extLst>
       <p:ext uri="{BB962C8B-B14F-4D97-AF65-F5344CB8AC3E}">
         <p14:creationId xmlns:p14="http://schemas.microsoft.com/office/powerpoint/2010/main" val="437747920"/>
+      </p:ext>
+    </p:extLst>
+  </p:cSld>
+  <p:clrMapOvr>
+    <a:masterClrMapping/>
+  </p:clrMapOvr>
+</p:sld>
+</file>
+
+<file path=ppt/slides/slide7.xml><?xml version="1.0" encoding="utf-8"?>
+<p:sld xmlns:a="http://schemas.openxmlformats.org/drawingml/2006/main" xmlns:r="http://schemas.openxmlformats.org/officeDocument/2006/relationships" xmlns:p="http://schemas.openxmlformats.org/presentationml/2006/main">
+  <p:cSld>
+    <p:spTree>
+      <p:nvGrpSpPr>
+        <p:cNvPr id="1" name=""/>
+        <p:cNvGrpSpPr/>
+        <p:nvPr/>
+      </p:nvGrpSpPr>
+      <p:grpSpPr>
+        <a:xfrm>
+          <a:off x="0" y="0"/>
+          <a:ext cx="0" cy="0"/>
+          <a:chOff x="0" y="0"/>
+          <a:chExt cx="0" cy="0"/>
+        </a:xfrm>
+      </p:grpSpPr>
+      <p:sp>
+        <p:nvSpPr>
+          <p:cNvPr id="2" name="Title 1"/>
+          <p:cNvSpPr>
+            <a:spLocks noGrp="1"/>
+          </p:cNvSpPr>
+          <p:nvPr>
+            <p:ph type="title"/>
+          </p:nvPr>
+        </p:nvSpPr>
+        <p:spPr/>
+        <p:txBody>
+          <a:bodyPr/>
+          <a:lstStyle/>
+          <a:p>
+            <a:r>
+              <a:rPr lang="en-GB" dirty="0" err="1" smtClean="0"/>
+              <a:t>Cú</a:t>
+            </a:r>
+            <a:r>
+              <a:rPr lang="en-GB" dirty="0" smtClean="0"/>
+              <a:t> </a:t>
+            </a:r>
+            <a:r>
+              <a:rPr lang="en-GB" dirty="0" err="1" smtClean="0"/>
+              <a:t>pháp</a:t>
+            </a:r>
+            <a:r>
+              <a:rPr lang="en-GB" dirty="0" smtClean="0"/>
+              <a:t> </a:t>
+            </a:r>
+            <a:r>
+              <a:rPr lang="en-GB" dirty="0" err="1" smtClean="0"/>
+              <a:t>jQuery</a:t>
+            </a:r>
+            <a:endParaRPr lang="en-GB" dirty="0"/>
+          </a:p>
+        </p:txBody>
+      </p:sp>
+      <p:sp>
+        <p:nvSpPr>
+          <p:cNvPr id="3" name="Content Placeholder 2"/>
+          <p:cNvSpPr>
+            <a:spLocks noGrp="1"/>
+          </p:cNvSpPr>
+          <p:nvPr>
+            <p:ph idx="1"/>
+          </p:nvPr>
+        </p:nvSpPr>
+        <p:spPr/>
+        <p:txBody>
+          <a:bodyPr>
+            <a:normAutofit/>
+          </a:bodyPr>
+          <a:lstStyle/>
+          <a:p>
+            <a:r>
+              <a:rPr lang="en-GB" sz="3000" dirty="0" smtClean="0"/>
+              <a:t>$(selector).action();</a:t>
+            </a:r>
+          </a:p>
+          <a:p>
+            <a:pPr lvl="1"/>
+            <a:r>
+              <a:rPr lang="en-GB" sz="3000" b="1" dirty="0" smtClean="0"/>
+              <a:t>$</a:t>
+            </a:r>
+            <a:r>
+              <a:rPr lang="en-GB" sz="3000" dirty="0" smtClean="0"/>
+              <a:t> </a:t>
+            </a:r>
+            <a:r>
+              <a:rPr lang="en-GB" sz="3000" dirty="0" err="1" smtClean="0"/>
+              <a:t>là</a:t>
+            </a:r>
+            <a:r>
+              <a:rPr lang="en-GB" sz="3000" dirty="0" smtClean="0"/>
+              <a:t> </a:t>
+            </a:r>
+            <a:r>
+              <a:rPr lang="en-GB" sz="3000" dirty="0" err="1" smtClean="0"/>
+              <a:t>dấu</a:t>
+            </a:r>
+            <a:r>
+              <a:rPr lang="en-GB" sz="3000" dirty="0" smtClean="0"/>
+              <a:t> </a:t>
+            </a:r>
+            <a:r>
+              <a:rPr lang="en-GB" sz="3000" dirty="0" err="1" smtClean="0"/>
+              <a:t>để</a:t>
+            </a:r>
+            <a:r>
+              <a:rPr lang="en-GB" sz="3000" dirty="0" smtClean="0"/>
+              <a:t> </a:t>
+            </a:r>
+            <a:r>
+              <a:rPr lang="en-GB" sz="3000" dirty="0" err="1" smtClean="0"/>
+              <a:t>biết</a:t>
+            </a:r>
+            <a:r>
+              <a:rPr lang="en-GB" sz="3000" dirty="0" smtClean="0"/>
+              <a:t> </a:t>
+            </a:r>
+            <a:r>
+              <a:rPr lang="en-GB" sz="3000" dirty="0" err="1" smtClean="0"/>
+              <a:t>sử</a:t>
+            </a:r>
+            <a:r>
+              <a:rPr lang="en-GB" sz="3000" dirty="0" smtClean="0"/>
+              <a:t> </a:t>
+            </a:r>
+            <a:r>
+              <a:rPr lang="en-GB" sz="3000" dirty="0" err="1" smtClean="0"/>
+              <a:t>dụng</a:t>
+            </a:r>
+            <a:r>
+              <a:rPr lang="en-GB" sz="3000" dirty="0" smtClean="0"/>
+              <a:t> </a:t>
+            </a:r>
+            <a:r>
+              <a:rPr lang="en-GB" sz="3000" dirty="0" err="1" smtClean="0"/>
+              <a:t>jQuery</a:t>
+            </a:r>
+            <a:endParaRPr lang="en-GB" sz="3000" dirty="0" smtClean="0"/>
+          </a:p>
+          <a:p>
+            <a:pPr lvl="1"/>
+            <a:r>
+              <a:rPr lang="en-GB" sz="3000" b="1" dirty="0"/>
+              <a:t>s</a:t>
+            </a:r>
+            <a:r>
+              <a:rPr lang="en-GB" sz="3000" b="1" dirty="0" smtClean="0"/>
+              <a:t>elector</a:t>
+            </a:r>
+            <a:r>
+              <a:rPr lang="en-GB" sz="3000" dirty="0" smtClean="0"/>
+              <a:t> </a:t>
+            </a:r>
+            <a:r>
+              <a:rPr lang="en-GB" sz="3000" dirty="0" err="1" smtClean="0"/>
+              <a:t>là</a:t>
+            </a:r>
+            <a:r>
+              <a:rPr lang="en-GB" sz="3000" dirty="0" smtClean="0"/>
+              <a:t> </a:t>
+            </a:r>
+            <a:r>
+              <a:rPr lang="en-GB" sz="3000" dirty="0" err="1" smtClean="0"/>
+              <a:t>vùng</a:t>
+            </a:r>
+            <a:r>
+              <a:rPr lang="en-GB" sz="3000" dirty="0" smtClean="0"/>
+              <a:t> </a:t>
+            </a:r>
+            <a:r>
+              <a:rPr lang="en-GB" sz="3000" dirty="0" err="1" smtClean="0"/>
+              <a:t>chọn</a:t>
+            </a:r>
+            <a:r>
+              <a:rPr lang="en-GB" sz="3000" dirty="0" smtClean="0"/>
+              <a:t> </a:t>
+            </a:r>
+            <a:r>
+              <a:rPr lang="en-GB" sz="3000" dirty="0" err="1" smtClean="0"/>
+              <a:t>của</a:t>
+            </a:r>
+            <a:r>
+              <a:rPr lang="en-GB" sz="3000" dirty="0" smtClean="0"/>
+              <a:t> </a:t>
+            </a:r>
+            <a:r>
+              <a:rPr lang="en-GB" sz="3000" dirty="0" err="1" smtClean="0"/>
+              <a:t>jQuery</a:t>
+            </a:r>
+            <a:endParaRPr lang="en-GB" sz="3000" dirty="0" smtClean="0"/>
+          </a:p>
+          <a:p>
+            <a:pPr lvl="1"/>
+            <a:r>
+              <a:rPr lang="en-GB" sz="3000" b="1" dirty="0" smtClean="0"/>
+              <a:t>action</a:t>
+            </a:r>
+            <a:r>
+              <a:rPr lang="en-GB" sz="3000" dirty="0" smtClean="0"/>
+              <a:t> </a:t>
+            </a:r>
+            <a:r>
+              <a:rPr lang="en-GB" sz="3000" dirty="0" err="1" smtClean="0"/>
+              <a:t>là</a:t>
+            </a:r>
+            <a:r>
+              <a:rPr lang="en-GB" sz="3000" dirty="0" smtClean="0"/>
+              <a:t> </a:t>
+            </a:r>
+            <a:r>
+              <a:rPr lang="en-GB" sz="3000" dirty="0" err="1" smtClean="0"/>
+              <a:t>hàm</a:t>
+            </a:r>
+            <a:r>
+              <a:rPr lang="en-GB" sz="3000" dirty="0" smtClean="0"/>
+              <a:t> </a:t>
+            </a:r>
+            <a:r>
+              <a:rPr lang="en-GB" sz="3000" dirty="0" err="1" smtClean="0"/>
+              <a:t>cần</a:t>
+            </a:r>
+            <a:r>
+              <a:rPr lang="en-GB" sz="3000" dirty="0" smtClean="0"/>
+              <a:t> </a:t>
+            </a:r>
+            <a:r>
+              <a:rPr lang="en-GB" sz="3000" dirty="0" err="1" smtClean="0"/>
+              <a:t>tác</a:t>
+            </a:r>
+            <a:r>
+              <a:rPr lang="en-GB" sz="3000" dirty="0" smtClean="0"/>
+              <a:t> </a:t>
+            </a:r>
+            <a:r>
+              <a:rPr lang="en-GB" sz="3000" dirty="0" err="1" smtClean="0"/>
+              <a:t>động</a:t>
+            </a:r>
+            <a:endParaRPr lang="en-GB" sz="3000" dirty="0" smtClean="0"/>
+          </a:p>
+          <a:p>
+            <a:r>
+              <a:rPr lang="en-GB" sz="3000" dirty="0" err="1" smtClean="0"/>
+              <a:t>Eg</a:t>
+            </a:r>
+            <a:r>
+              <a:rPr lang="en-GB" sz="3000" dirty="0" smtClean="0"/>
+              <a:t>:</a:t>
+            </a:r>
+            <a:endParaRPr lang="en-GB" sz="3000" dirty="0"/>
+          </a:p>
+          <a:p>
+            <a:pPr lvl="1"/>
+            <a:r>
+              <a:rPr lang="en-GB" sz="3000" dirty="0" smtClean="0"/>
+              <a:t>$(‘a’). </a:t>
+            </a:r>
+            <a:r>
+              <a:rPr lang="en-GB" sz="3000" dirty="0"/>
+              <a:t>h</a:t>
+            </a:r>
+            <a:r>
+              <a:rPr lang="en-GB" sz="3000" dirty="0" smtClean="0"/>
+              <a:t>ide();</a:t>
+            </a:r>
+          </a:p>
+          <a:p>
+            <a:pPr lvl="1"/>
+            <a:r>
+              <a:rPr lang="en-GB" sz="3000" dirty="0" smtClean="0"/>
+              <a:t>$(.class).show();</a:t>
+            </a:r>
+          </a:p>
+        </p:txBody>
+      </p:sp>
+    </p:spTree>
+    <p:extLst>
+      <p:ext uri="{BB962C8B-B14F-4D97-AF65-F5344CB8AC3E}">
+        <p14:creationId xmlns:p14="http://schemas.microsoft.com/office/powerpoint/2010/main" val="4238981520"/>
+      </p:ext>
+    </p:extLst>
+  </p:cSld>
+  <p:clrMapOvr>
+    <a:masterClrMapping/>
+  </p:clrMapOvr>
+</p:sld>
+</file>
+
+<file path=ppt/slides/slide8.xml><?xml version="1.0" encoding="utf-8"?>
+<p:sld xmlns:a="http://schemas.openxmlformats.org/drawingml/2006/main" xmlns:r="http://schemas.openxmlformats.org/officeDocument/2006/relationships" xmlns:p="http://schemas.openxmlformats.org/presentationml/2006/main">
+  <p:cSld>
+    <p:spTree>
+      <p:nvGrpSpPr>
+        <p:cNvPr id="1" name=""/>
+        <p:cNvGrpSpPr/>
+        <p:nvPr/>
+      </p:nvGrpSpPr>
+      <p:grpSpPr>
+        <a:xfrm>
+          <a:off x="0" y="0"/>
+          <a:ext cx="0" cy="0"/>
+          <a:chOff x="0" y="0"/>
+          <a:chExt cx="0" cy="0"/>
+        </a:xfrm>
+      </p:grpSpPr>
+      <p:sp>
+        <p:nvSpPr>
+          <p:cNvPr id="2" name="Title 1"/>
+          <p:cNvSpPr>
+            <a:spLocks noGrp="1"/>
+          </p:cNvSpPr>
+          <p:nvPr>
+            <p:ph type="title"/>
+          </p:nvPr>
+        </p:nvSpPr>
+        <p:spPr/>
+        <p:txBody>
+          <a:bodyPr/>
+          <a:lstStyle/>
+          <a:p>
+            <a:r>
+              <a:rPr lang="en-GB" dirty="0" smtClean="0"/>
+              <a:t>CSS </a:t>
+            </a:r>
+            <a:r>
+              <a:rPr lang="en-GB" dirty="0" err="1" smtClean="0"/>
+              <a:t>vs</a:t>
+            </a:r>
+            <a:r>
+              <a:rPr lang="en-GB" dirty="0" smtClean="0"/>
+              <a:t> </a:t>
+            </a:r>
+            <a:r>
+              <a:rPr lang="en-GB" dirty="0" err="1"/>
+              <a:t>j</a:t>
+            </a:r>
+            <a:r>
+              <a:rPr lang="en-GB" dirty="0" err="1" smtClean="0"/>
+              <a:t>Query</a:t>
+            </a:r>
+            <a:endParaRPr lang="en-GB" dirty="0"/>
+          </a:p>
+        </p:txBody>
+      </p:sp>
+      <p:sp>
+        <p:nvSpPr>
+          <p:cNvPr id="3" name="Content Placeholder 2"/>
+          <p:cNvSpPr>
+            <a:spLocks noGrp="1"/>
+          </p:cNvSpPr>
+          <p:nvPr>
+            <p:ph idx="1"/>
+          </p:nvPr>
+        </p:nvSpPr>
+        <p:spPr>
+          <a:xfrm>
+            <a:off x="609600" y="1981200"/>
+            <a:ext cx="7239000" cy="762000"/>
+          </a:xfrm>
+        </p:spPr>
+        <p:style>
+          <a:lnRef idx="2">
+            <a:schemeClr val="accent3"/>
+          </a:lnRef>
+          <a:fillRef idx="1">
+            <a:schemeClr val="lt1"/>
+          </a:fillRef>
+          <a:effectRef idx="0">
+            <a:schemeClr val="accent3"/>
+          </a:effectRef>
+          <a:fontRef idx="minor">
+            <a:schemeClr val="dk1"/>
+          </a:fontRef>
+        </p:style>
+        <p:txBody>
+          <a:bodyPr/>
+          <a:lstStyle/>
+          <a:p>
+            <a:pPr marL="0" lvl="1" indent="0">
+              <a:buNone/>
+            </a:pPr>
+            <a:r>
+              <a:rPr lang="en-GB" sz="3200" b="1" dirty="0"/>
+              <a:t>$('</a:t>
+            </a:r>
+            <a:r>
+              <a:rPr lang="en-GB" sz="3200" b="1" dirty="0" err="1"/>
+              <a:t>div.content</a:t>
+            </a:r>
+            <a:r>
+              <a:rPr lang="en-GB" sz="3200" b="1" dirty="0"/>
+              <a:t> &gt; </a:t>
+            </a:r>
+            <a:r>
+              <a:rPr lang="en-GB" sz="3200" b="1" dirty="0" err="1"/>
+              <a:t>p.item</a:t>
+            </a:r>
+            <a:r>
+              <a:rPr lang="en-GB" sz="3200" b="1" dirty="0"/>
+              <a:t>').</a:t>
+            </a:r>
+            <a:r>
+              <a:rPr lang="en-GB" sz="3200" b="1" dirty="0" err="1"/>
+              <a:t>css</a:t>
+            </a:r>
+            <a:r>
+              <a:rPr lang="en-GB" sz="3200" b="1" dirty="0"/>
+              <a:t>('</a:t>
+            </a:r>
+            <a:r>
+              <a:rPr lang="en-GB" sz="3200" b="1" dirty="0" err="1"/>
+              <a:t>color</a:t>
+            </a:r>
+            <a:r>
+              <a:rPr lang="en-GB" sz="3200" b="1" dirty="0"/>
+              <a:t>', 'red</a:t>
+            </a:r>
+            <a:r>
+              <a:rPr lang="en-GB" sz="3200" b="1" dirty="0" smtClean="0"/>
+              <a:t>');</a:t>
+            </a:r>
+            <a:endParaRPr lang="en-GB" sz="3200" b="1" dirty="0"/>
+          </a:p>
+        </p:txBody>
+      </p:sp>
+      <p:sp>
+        <p:nvSpPr>
+          <p:cNvPr id="4" name="Content Placeholder 2"/>
+          <p:cNvSpPr txBox="1">
+            <a:spLocks/>
+          </p:cNvSpPr>
+          <p:nvPr/>
+        </p:nvSpPr>
+        <p:spPr>
+          <a:xfrm>
+            <a:off x="609600" y="4191000"/>
+            <a:ext cx="3886200" cy="1600200"/>
+          </a:xfrm>
+          <a:prstGeom prst="rect">
+            <a:avLst/>
+          </a:prstGeom>
+        </p:spPr>
+        <p:style>
+          <a:lnRef idx="2">
+            <a:schemeClr val="accent3"/>
+          </a:lnRef>
+          <a:fillRef idx="1">
+            <a:schemeClr val="lt1"/>
+          </a:fillRef>
+          <a:effectRef idx="0">
+            <a:schemeClr val="accent3"/>
+          </a:effectRef>
+          <a:fontRef idx="minor">
+            <a:schemeClr val="dk1"/>
+          </a:fontRef>
+        </p:style>
+        <p:txBody>
+          <a:bodyPr vert="horz" lIns="91440" tIns="45720" rIns="91440" bIns="45720" rtlCol="0">
+            <a:noAutofit/>
+          </a:bodyPr>
+          <a:lstStyle>
+            <a:lvl1pPr marL="342900" indent="-342900" algn="l" defTabSz="914400" rtl="0" eaLnBrk="1" latinLnBrk="0" hangingPunct="1">
+              <a:spcBef>
+                <a:spcPct val="20000"/>
+              </a:spcBef>
+              <a:buFont typeface="Arial" pitchFamily="34" charset="0"/>
+              <a:buChar char="•"/>
+              <a:defRPr sz="3200" kern="1200">
+                <a:solidFill>
+                  <a:schemeClr val="tx1"/>
+                </a:solidFill>
+                <a:latin typeface="+mn-lt"/>
+                <a:ea typeface="+mn-ea"/>
+                <a:cs typeface="+mn-cs"/>
+              </a:defRPr>
+            </a:lvl1pPr>
+            <a:lvl2pPr marL="742950" indent="-285750" algn="l" defTabSz="914400" rtl="0" eaLnBrk="1" latinLnBrk="0" hangingPunct="1">
+              <a:spcBef>
+                <a:spcPct val="20000"/>
+              </a:spcBef>
+              <a:buFont typeface="Arial" pitchFamily="34" charset="0"/>
+              <a:buChar char="–"/>
+              <a:defRPr sz="2800" kern="1200">
+                <a:solidFill>
+                  <a:schemeClr val="tx1"/>
+                </a:solidFill>
+                <a:latin typeface="+mn-lt"/>
+                <a:ea typeface="+mn-ea"/>
+                <a:cs typeface="+mn-cs"/>
+              </a:defRPr>
+            </a:lvl2pPr>
+            <a:lvl3pPr marL="1143000" indent="-228600" algn="l" defTabSz="914400" rtl="0" eaLnBrk="1" latinLnBrk="0" hangingPunct="1">
+              <a:spcBef>
+                <a:spcPct val="20000"/>
+              </a:spcBef>
+              <a:buFont typeface="Arial" pitchFamily="34" charset="0"/>
+              <a:buChar char="•"/>
+              <a:defRPr sz="2400" kern="1200">
+                <a:solidFill>
+                  <a:schemeClr val="tx1"/>
+                </a:solidFill>
+                <a:latin typeface="+mn-lt"/>
+                <a:ea typeface="+mn-ea"/>
+                <a:cs typeface="+mn-cs"/>
+              </a:defRPr>
+            </a:lvl3pPr>
+            <a:lvl4pPr marL="1600200" indent="-228600" algn="l" defTabSz="914400" rtl="0" eaLnBrk="1" latinLnBrk="0" hangingPunct="1">
+              <a:spcBef>
+                <a:spcPct val="20000"/>
+              </a:spcBef>
+              <a:buFont typeface="Arial" pitchFamily="34" charset="0"/>
+              <a:buChar char="–"/>
+              <a:defRPr sz="2000" kern="1200">
+                <a:solidFill>
+                  <a:schemeClr val="tx1"/>
+                </a:solidFill>
+                <a:latin typeface="+mn-lt"/>
+                <a:ea typeface="+mn-ea"/>
+                <a:cs typeface="+mn-cs"/>
+              </a:defRPr>
+            </a:lvl4pPr>
+            <a:lvl5pPr marL="2057400" indent="-228600" algn="l" defTabSz="914400" rtl="0" eaLnBrk="1" latinLnBrk="0" hangingPunct="1">
+              <a:spcBef>
+                <a:spcPct val="20000"/>
+              </a:spcBef>
+              <a:buFont typeface="Arial" pitchFamily="34" charset="0"/>
+              <a:buChar char="»"/>
+              <a:defRPr sz="2000" kern="1200">
+                <a:solidFill>
+                  <a:schemeClr val="tx1"/>
+                </a:solidFill>
+                <a:latin typeface="+mn-lt"/>
+                <a:ea typeface="+mn-ea"/>
+                <a:cs typeface="+mn-cs"/>
+              </a:defRPr>
+            </a:lvl5pPr>
+            <a:lvl6pPr marL="2514600" indent="-228600" algn="l" defTabSz="914400" rtl="0" eaLnBrk="1" latinLnBrk="0" hangingPunct="1">
+              <a:spcBef>
+                <a:spcPct val="20000"/>
+              </a:spcBef>
+              <a:buFont typeface="Arial" pitchFamily="34" charset="0"/>
+              <a:buChar char="•"/>
+              <a:defRPr sz="2000" kern="1200">
+                <a:solidFill>
+                  <a:schemeClr val="tx1"/>
+                </a:solidFill>
+                <a:latin typeface="+mn-lt"/>
+                <a:ea typeface="+mn-ea"/>
+                <a:cs typeface="+mn-cs"/>
+              </a:defRPr>
+            </a:lvl6pPr>
+            <a:lvl7pPr marL="2971800" indent="-228600" algn="l" defTabSz="914400" rtl="0" eaLnBrk="1" latinLnBrk="0" hangingPunct="1">
+              <a:spcBef>
+                <a:spcPct val="20000"/>
+              </a:spcBef>
+              <a:buFont typeface="Arial" pitchFamily="34" charset="0"/>
+              <a:buChar char="•"/>
+              <a:defRPr sz="2000" kern="1200">
+                <a:solidFill>
+                  <a:schemeClr val="tx1"/>
+                </a:solidFill>
+                <a:latin typeface="+mn-lt"/>
+                <a:ea typeface="+mn-ea"/>
+                <a:cs typeface="+mn-cs"/>
+              </a:defRPr>
+            </a:lvl7pPr>
+            <a:lvl8pPr marL="3429000" indent="-228600" algn="l" defTabSz="914400" rtl="0" eaLnBrk="1" latinLnBrk="0" hangingPunct="1">
+              <a:spcBef>
+                <a:spcPct val="20000"/>
+              </a:spcBef>
+              <a:buFont typeface="Arial" pitchFamily="34" charset="0"/>
+              <a:buChar char="•"/>
+              <a:defRPr sz="2000" kern="1200">
+                <a:solidFill>
+                  <a:schemeClr val="tx1"/>
+                </a:solidFill>
+                <a:latin typeface="+mn-lt"/>
+                <a:ea typeface="+mn-ea"/>
+                <a:cs typeface="+mn-cs"/>
+              </a:defRPr>
+            </a:lvl8pPr>
+            <a:lvl9pPr marL="3886200" indent="-228600" algn="l" defTabSz="914400" rtl="0" eaLnBrk="1" latinLnBrk="0" hangingPunct="1">
+              <a:spcBef>
+                <a:spcPct val="20000"/>
+              </a:spcBef>
+              <a:buFont typeface="Arial" pitchFamily="34" charset="0"/>
+              <a:buChar char="•"/>
+              <a:defRPr sz="2000" kern="1200">
+                <a:solidFill>
+                  <a:schemeClr val="tx1"/>
+                </a:solidFill>
+                <a:latin typeface="+mn-lt"/>
+                <a:ea typeface="+mn-ea"/>
+                <a:cs typeface="+mn-cs"/>
+              </a:defRPr>
+            </a:lvl9pPr>
+          </a:lstStyle>
+          <a:p>
+            <a:pPr marL="0" lvl="1" indent="0">
+              <a:buFont typeface="Arial" pitchFamily="34" charset="0"/>
+              <a:buNone/>
+            </a:pPr>
+            <a:r>
+              <a:rPr lang="en-GB" b="1" dirty="0" err="1" smtClean="0"/>
+              <a:t>div.content</a:t>
+            </a:r>
+            <a:r>
+              <a:rPr lang="en-GB" b="1" dirty="0" smtClean="0"/>
+              <a:t> &gt; </a:t>
+            </a:r>
+            <a:r>
+              <a:rPr lang="en-GB" b="1" dirty="0" err="1" smtClean="0"/>
+              <a:t>p.item</a:t>
+            </a:r>
+            <a:r>
+              <a:rPr lang="en-GB" b="1" dirty="0" smtClean="0"/>
+              <a:t>{</a:t>
+            </a:r>
+          </a:p>
+          <a:p>
+            <a:pPr marL="0" lvl="1" indent="0">
+              <a:buNone/>
+            </a:pPr>
+            <a:r>
+              <a:rPr lang="en-GB" b="1" dirty="0"/>
+              <a:t>	</a:t>
+            </a:r>
+            <a:r>
+              <a:rPr lang="en-GB" b="1" dirty="0" err="1"/>
+              <a:t>css</a:t>
+            </a:r>
+            <a:r>
+              <a:rPr lang="en-GB" b="1" dirty="0"/>
+              <a:t>('</a:t>
+            </a:r>
+            <a:r>
+              <a:rPr lang="en-GB" b="1" dirty="0" err="1"/>
+              <a:t>color</a:t>
+            </a:r>
+            <a:r>
+              <a:rPr lang="en-GB" b="1" dirty="0"/>
+              <a:t>', 'red</a:t>
+            </a:r>
+            <a:r>
+              <a:rPr lang="en-GB" b="1" dirty="0" smtClean="0"/>
+              <a:t>');</a:t>
+            </a:r>
+          </a:p>
+          <a:p>
+            <a:pPr marL="0" lvl="1" indent="0">
+              <a:buFont typeface="Arial" pitchFamily="34" charset="0"/>
+              <a:buNone/>
+            </a:pPr>
+            <a:r>
+              <a:rPr lang="en-GB" b="1" dirty="0" smtClean="0"/>
+              <a:t>}</a:t>
+            </a:r>
+            <a:endParaRPr lang="en-GB" b="1" dirty="0"/>
+          </a:p>
+        </p:txBody>
+      </p:sp>
+      <p:sp>
+        <p:nvSpPr>
+          <p:cNvPr id="5" name="Rectangle 4"/>
+          <p:cNvSpPr/>
+          <p:nvPr/>
+        </p:nvSpPr>
+        <p:spPr>
+          <a:xfrm>
+            <a:off x="6781800" y="2819400"/>
+            <a:ext cx="1752600" cy="914400"/>
+          </a:xfrm>
+          <a:prstGeom prst="rect">
+            <a:avLst/>
+          </a:prstGeom>
+        </p:spPr>
+        <p:style>
+          <a:lnRef idx="2">
+            <a:schemeClr val="accent1">
+              <a:shade val="50000"/>
+            </a:schemeClr>
+          </a:lnRef>
+          <a:fillRef idx="1">
+            <a:schemeClr val="accent1"/>
+          </a:fillRef>
+          <a:effectRef idx="0">
+            <a:schemeClr val="accent1"/>
+          </a:effectRef>
+          <a:fontRef idx="minor">
+            <a:schemeClr val="lt1"/>
+          </a:fontRef>
+        </p:style>
+        <p:txBody>
+          <a:bodyPr rtlCol="0" anchor="ctr"/>
+          <a:lstStyle/>
+          <a:p>
+            <a:pPr algn="ctr"/>
+            <a:r>
+              <a:rPr lang="en-GB" sz="2500" dirty="0" err="1" smtClean="0"/>
+              <a:t>jQuery</a:t>
+            </a:r>
+            <a:endParaRPr lang="en-GB" sz="2500" dirty="0"/>
+          </a:p>
+        </p:txBody>
+      </p:sp>
+      <p:sp>
+        <p:nvSpPr>
+          <p:cNvPr id="6" name="Right Arrow 5"/>
+          <p:cNvSpPr/>
+          <p:nvPr/>
+        </p:nvSpPr>
+        <p:spPr>
+          <a:xfrm>
+            <a:off x="5557091" y="2971800"/>
+            <a:ext cx="1143000" cy="609600"/>
+          </a:xfrm>
+          <a:prstGeom prst="rightArrow">
+            <a:avLst/>
+          </a:prstGeom>
+        </p:spPr>
+        <p:style>
+          <a:lnRef idx="2">
+            <a:schemeClr val="accent1">
+              <a:shade val="50000"/>
+            </a:schemeClr>
+          </a:lnRef>
+          <a:fillRef idx="1">
+            <a:schemeClr val="accent1"/>
+          </a:fillRef>
+          <a:effectRef idx="0">
+            <a:schemeClr val="accent1"/>
+          </a:effectRef>
+          <a:fontRef idx="minor">
+            <a:schemeClr val="lt1"/>
+          </a:fontRef>
+        </p:style>
+        <p:txBody>
+          <a:bodyPr rtlCol="0" anchor="ctr"/>
+          <a:lstStyle/>
+          <a:p>
+            <a:pPr algn="ctr"/>
+            <a:endParaRPr lang="en-GB"/>
+          </a:p>
+        </p:txBody>
+      </p:sp>
+      <p:sp>
+        <p:nvSpPr>
+          <p:cNvPr id="7" name="TextBox 6"/>
+          <p:cNvSpPr txBox="1"/>
+          <p:nvPr/>
+        </p:nvSpPr>
+        <p:spPr>
+          <a:xfrm>
+            <a:off x="1219200" y="6248400"/>
+            <a:ext cx="6843668" cy="477054"/>
+          </a:xfrm>
+          <a:prstGeom prst="rect">
+            <a:avLst/>
+          </a:prstGeom>
+          <a:noFill/>
+        </p:spPr>
+        <p:txBody>
+          <a:bodyPr wrap="none" rtlCol="0">
+            <a:spAutoFit/>
+          </a:bodyPr>
+          <a:lstStyle/>
+          <a:p>
+            <a:r>
+              <a:rPr lang="en-GB" sz="2500" dirty="0" err="1" smtClean="0"/>
+              <a:t>Cách</a:t>
+            </a:r>
+            <a:r>
+              <a:rPr lang="en-GB" sz="2500" dirty="0" smtClean="0"/>
+              <a:t> </a:t>
+            </a:r>
+            <a:r>
+              <a:rPr lang="en-GB" sz="2500" dirty="0" err="1" smtClean="0"/>
+              <a:t>chọn</a:t>
+            </a:r>
+            <a:r>
+              <a:rPr lang="en-GB" sz="2500" dirty="0" smtClean="0"/>
+              <a:t> Selector </a:t>
+            </a:r>
+            <a:r>
+              <a:rPr lang="en-GB" sz="2500" dirty="0" err="1" smtClean="0"/>
+              <a:t>của</a:t>
+            </a:r>
+            <a:r>
+              <a:rPr lang="en-GB" sz="2500" dirty="0" smtClean="0"/>
+              <a:t> CSS </a:t>
+            </a:r>
+            <a:r>
+              <a:rPr lang="en-GB" sz="2500" dirty="0" err="1" smtClean="0"/>
+              <a:t>và</a:t>
+            </a:r>
+            <a:r>
+              <a:rPr lang="en-GB" sz="2500" dirty="0" smtClean="0"/>
+              <a:t> </a:t>
+            </a:r>
+            <a:r>
+              <a:rPr lang="en-GB" sz="2500" dirty="0" err="1" smtClean="0"/>
+              <a:t>Jquery</a:t>
+            </a:r>
+            <a:r>
+              <a:rPr lang="en-GB" sz="2500" dirty="0" smtClean="0"/>
+              <a:t> </a:t>
+            </a:r>
+            <a:r>
+              <a:rPr lang="en-GB" sz="2500" dirty="0" err="1" smtClean="0"/>
+              <a:t>là</a:t>
+            </a:r>
+            <a:r>
+              <a:rPr lang="en-GB" sz="2500" dirty="0" smtClean="0"/>
+              <a:t> </a:t>
+            </a:r>
+            <a:r>
+              <a:rPr lang="en-GB" sz="2500" dirty="0" err="1" smtClean="0"/>
+              <a:t>giống</a:t>
+            </a:r>
+            <a:r>
+              <a:rPr lang="en-GB" sz="2500" dirty="0" smtClean="0"/>
+              <a:t> </a:t>
+            </a:r>
+            <a:r>
+              <a:rPr lang="en-GB" sz="2500" dirty="0" err="1" smtClean="0"/>
+              <a:t>nhau</a:t>
+            </a:r>
+            <a:endParaRPr lang="en-GB" sz="2500" dirty="0"/>
+          </a:p>
+        </p:txBody>
+      </p:sp>
+      <p:sp>
+        <p:nvSpPr>
+          <p:cNvPr id="9" name="Rectangle 8"/>
+          <p:cNvSpPr/>
+          <p:nvPr/>
+        </p:nvSpPr>
+        <p:spPr>
+          <a:xfrm>
+            <a:off x="5823791" y="4383157"/>
+            <a:ext cx="1752600" cy="914400"/>
+          </a:xfrm>
+          <a:prstGeom prst="rect">
+            <a:avLst/>
+          </a:prstGeom>
+        </p:spPr>
+        <p:style>
+          <a:lnRef idx="2">
+            <a:schemeClr val="accent1">
+              <a:shade val="50000"/>
+            </a:schemeClr>
+          </a:lnRef>
+          <a:fillRef idx="1">
+            <a:schemeClr val="accent1"/>
+          </a:fillRef>
+          <a:effectRef idx="0">
+            <a:schemeClr val="accent1"/>
+          </a:effectRef>
+          <a:fontRef idx="minor">
+            <a:schemeClr val="lt1"/>
+          </a:fontRef>
+        </p:style>
+        <p:txBody>
+          <a:bodyPr rtlCol="0" anchor="ctr"/>
+          <a:lstStyle/>
+          <a:p>
+            <a:pPr algn="ctr"/>
+            <a:r>
+              <a:rPr lang="en-GB" sz="2500" dirty="0" smtClean="0"/>
+              <a:t>CSS</a:t>
+            </a:r>
+            <a:endParaRPr lang="en-GB" sz="2500" dirty="0"/>
+          </a:p>
+        </p:txBody>
+      </p:sp>
+      <p:sp>
+        <p:nvSpPr>
+          <p:cNvPr id="10" name="Right Arrow 9"/>
+          <p:cNvSpPr/>
+          <p:nvPr/>
+        </p:nvSpPr>
+        <p:spPr>
+          <a:xfrm>
+            <a:off x="4631095" y="4535557"/>
+            <a:ext cx="1143000" cy="609600"/>
+          </a:xfrm>
+          <a:prstGeom prst="rightArrow">
+            <a:avLst/>
+          </a:prstGeom>
+        </p:spPr>
+        <p:style>
+          <a:lnRef idx="2">
+            <a:schemeClr val="accent1">
+              <a:shade val="50000"/>
+            </a:schemeClr>
+          </a:lnRef>
+          <a:fillRef idx="1">
+            <a:schemeClr val="accent1"/>
+          </a:fillRef>
+          <a:effectRef idx="0">
+            <a:schemeClr val="accent1"/>
+          </a:effectRef>
+          <a:fontRef idx="minor">
+            <a:schemeClr val="lt1"/>
+          </a:fontRef>
+        </p:style>
+        <p:txBody>
+          <a:bodyPr rtlCol="0" anchor="ctr"/>
+          <a:lstStyle/>
+          <a:p>
+            <a:pPr algn="ctr"/>
+            <a:endParaRPr lang="en-GB"/>
+          </a:p>
+        </p:txBody>
+      </p:sp>
+    </p:spTree>
+    <p:extLst>
+      <p:ext uri="{BB962C8B-B14F-4D97-AF65-F5344CB8AC3E}">
+        <p14:creationId xmlns:p14="http://schemas.microsoft.com/office/powerpoint/2010/main" val="3315435383"/>
+      </p:ext>
+    </p:extLst>
+  </p:cSld>
+  <p:clrMapOvr>
+    <a:masterClrMapping/>
+  </p:clrMapOvr>
+</p:sld>
+</file>
+
+<file path=ppt/slides/slide9.xml><?xml version="1.0" encoding="utf-8"?>
+<p:sld xmlns:a="http://schemas.openxmlformats.org/drawingml/2006/main" xmlns:r="http://schemas.openxmlformats.org/officeDocument/2006/relationships" xmlns:p="http://schemas.openxmlformats.org/presentationml/2006/main">
+  <p:cSld>
+    <p:spTree>
+      <p:nvGrpSpPr>
+        <p:cNvPr id="1" name=""/>
+        <p:cNvGrpSpPr/>
+        <p:nvPr/>
+      </p:nvGrpSpPr>
+      <p:grpSpPr>
+        <a:xfrm>
+          <a:off x="0" y="0"/>
+          <a:ext cx="0" cy="0"/>
+          <a:chOff x="0" y="0"/>
+          <a:chExt cx="0" cy="0"/>
+        </a:xfrm>
+      </p:grpSpPr>
+      <p:sp>
+        <p:nvSpPr>
+          <p:cNvPr id="2" name="Title 1"/>
+          <p:cNvSpPr>
+            <a:spLocks noGrp="1"/>
+          </p:cNvSpPr>
+          <p:nvPr>
+            <p:ph type="title"/>
+          </p:nvPr>
+        </p:nvSpPr>
+        <p:spPr/>
+        <p:txBody>
+          <a:bodyPr/>
+          <a:lstStyle/>
+          <a:p>
+            <a:r>
+              <a:rPr lang="en-GB" dirty="0" err="1" smtClean="0"/>
+              <a:t>Tính</a:t>
+            </a:r>
+            <a:r>
+              <a:rPr lang="en-GB" dirty="0" smtClean="0"/>
+              <a:t> </a:t>
+            </a:r>
+            <a:r>
+              <a:rPr lang="en-GB" dirty="0" err="1" smtClean="0"/>
+              <a:t>năng</a:t>
+            </a:r>
+            <a:r>
+              <a:rPr lang="en-GB" dirty="0" smtClean="0"/>
+              <a:t> </a:t>
+            </a:r>
+            <a:r>
+              <a:rPr lang="en-GB" dirty="0" err="1" smtClean="0"/>
+              <a:t>của</a:t>
+            </a:r>
+            <a:r>
+              <a:rPr lang="en-GB" dirty="0" smtClean="0"/>
+              <a:t> </a:t>
+            </a:r>
+            <a:r>
+              <a:rPr lang="en-GB" dirty="0" err="1" smtClean="0"/>
+              <a:t>j</a:t>
+            </a:r>
+            <a:r>
+              <a:rPr lang="en-GB" dirty="0" err="1"/>
+              <a:t>Q</a:t>
+            </a:r>
+            <a:r>
+              <a:rPr lang="en-GB" dirty="0" err="1" smtClean="0"/>
+              <a:t>uery</a:t>
+            </a:r>
+            <a:endParaRPr lang="en-GB" dirty="0"/>
+          </a:p>
+        </p:txBody>
+      </p:sp>
+      <p:sp>
+        <p:nvSpPr>
+          <p:cNvPr id="3" name="Content Placeholder 2"/>
+          <p:cNvSpPr>
+            <a:spLocks noGrp="1"/>
+          </p:cNvSpPr>
+          <p:nvPr>
+            <p:ph idx="1"/>
+          </p:nvPr>
+        </p:nvSpPr>
+        <p:spPr/>
+        <p:txBody>
+          <a:bodyPr>
+            <a:normAutofit/>
+          </a:bodyPr>
+          <a:lstStyle/>
+          <a:p>
+            <a:r>
+              <a:rPr lang="en-GB" dirty="0" err="1" smtClean="0"/>
+              <a:t>Thao</a:t>
+            </a:r>
+            <a:r>
+              <a:rPr lang="en-GB" dirty="0" smtClean="0"/>
+              <a:t> </a:t>
+            </a:r>
+            <a:r>
+              <a:rPr lang="en-GB" dirty="0" err="1" smtClean="0"/>
+              <a:t>tác</a:t>
+            </a:r>
+            <a:r>
+              <a:rPr lang="en-GB" dirty="0" smtClean="0"/>
+              <a:t> DOM</a:t>
+            </a:r>
+          </a:p>
+          <a:p>
+            <a:pPr lvl="1"/>
+            <a:r>
+              <a:rPr lang="en-GB" dirty="0" smtClean="0"/>
+              <a:t>.text()</a:t>
+            </a:r>
+          </a:p>
+          <a:p>
+            <a:pPr lvl="1"/>
+            <a:r>
+              <a:rPr lang="en-GB" dirty="0" smtClean="0"/>
+              <a:t>.</a:t>
+            </a:r>
+            <a:r>
+              <a:rPr lang="en-GB" dirty="0" err="1" smtClean="0"/>
+              <a:t>val</a:t>
+            </a:r>
+            <a:r>
+              <a:rPr lang="en-GB" dirty="0" smtClean="0"/>
+              <a:t>()</a:t>
+            </a:r>
+          </a:p>
+          <a:p>
+            <a:pPr lvl="1"/>
+            <a:r>
+              <a:rPr lang="en-GB" dirty="0" smtClean="0"/>
+              <a:t>.html() </a:t>
+            </a:r>
+          </a:p>
+          <a:p>
+            <a:r>
+              <a:rPr lang="en-GB" dirty="0" err="1" smtClean="0"/>
+              <a:t>Thao</a:t>
+            </a:r>
+            <a:r>
+              <a:rPr lang="en-GB" dirty="0" smtClean="0"/>
+              <a:t> </a:t>
+            </a:r>
+            <a:r>
+              <a:rPr lang="en-GB" dirty="0" err="1" smtClean="0"/>
+              <a:t>tác</a:t>
+            </a:r>
+            <a:r>
+              <a:rPr lang="en-GB" dirty="0" smtClean="0"/>
+              <a:t> CSS</a:t>
+            </a:r>
+          </a:p>
+          <a:p>
+            <a:pPr lvl="1"/>
+            <a:r>
+              <a:rPr lang="en-GB" dirty="0" smtClean="0"/>
+              <a:t>.CSS</a:t>
+            </a:r>
+          </a:p>
+          <a:p>
+            <a:pPr lvl="1"/>
+            <a:r>
+              <a:rPr lang="en-GB" dirty="0" err="1" smtClean="0"/>
+              <a:t>addClass</a:t>
+            </a:r>
+            <a:r>
+              <a:rPr lang="en-GB" dirty="0" smtClean="0"/>
+              <a:t>, </a:t>
+            </a:r>
+            <a:r>
+              <a:rPr lang="en-GB" dirty="0" err="1" smtClean="0"/>
+              <a:t>removeClass</a:t>
+            </a:r>
+            <a:endParaRPr lang="en-GB" dirty="0" smtClean="0"/>
+          </a:p>
+          <a:p>
+            <a:r>
+              <a:rPr lang="en-GB" dirty="0" smtClean="0"/>
+              <a:t>Ajax, Events</a:t>
+            </a:r>
+          </a:p>
+        </p:txBody>
+      </p:sp>
+    </p:spTree>
+    <p:extLst>
+      <p:ext uri="{BB962C8B-B14F-4D97-AF65-F5344CB8AC3E}">
+        <p14:creationId xmlns:p14="http://schemas.microsoft.com/office/powerpoint/2010/main" val="3474163257"/>
       </p:ext>
     </p:extLst>
   </p:cSld>
@@ -4129,4 +9036,289 @@
   <a:objectDefaults/>
   <a:extraClrSchemeLst/>
 </a:theme>
+</file>
+
+<file path=ppt/theme/theme2.xml><?xml version="1.0" encoding="utf-8"?>
+<a:theme xmlns:a="http://schemas.openxmlformats.org/drawingml/2006/main" name="Office Theme">
+  <a:themeElements>
+    <a:clrScheme name="Office">
+      <a:dk1>
+        <a:sysClr val="windowText" lastClr="000000"/>
+      </a:dk1>
+      <a:lt1>
+        <a:sysClr val="window" lastClr="FFFFFF"/>
+      </a:lt1>
+      <a:dk2>
+        <a:srgbClr val="1F497D"/>
+      </a:dk2>
+      <a:lt2>
+        <a:srgbClr val="EEECE1"/>
+      </a:lt2>
+      <a:accent1>
+        <a:srgbClr val="4F81BD"/>
+      </a:accent1>
+      <a:accent2>
+        <a:srgbClr val="C0504D"/>
+      </a:accent2>
+      <a:accent3>
+        <a:srgbClr val="9BBB59"/>
+      </a:accent3>
+      <a:accent4>
+        <a:srgbClr val="8064A2"/>
+      </a:accent4>
+      <a:accent5>
+        <a:srgbClr val="4BACC6"/>
+      </a:accent5>
+      <a:accent6>
+        <a:srgbClr val="F79646"/>
+      </a:accent6>
+      <a:hlink>
+        <a:srgbClr val="0000FF"/>
+      </a:hlink>
+      <a:folHlink>
+        <a:srgbClr val="800080"/>
+      </a:folHlink>
+    </a:clrScheme>
+    <a:fontScheme name="Office">
+      <a:majorFont>
+        <a:latin typeface="Calibri"/>
+        <a:ea typeface=""/>
+        <a:cs typeface=""/>
+        <a:font script="Jpan" typeface="ＭＳ Ｐゴシック"/>
+        <a:font script="Hang" typeface="맑은 고딕"/>
+        <a:font script="Hans" typeface="宋体"/>
+        <a:font script="Hant" typeface="新細明體"/>
+        <a:font script="Arab" typeface="Times New Roman"/>
+        <a:font script="Hebr" typeface="Times New Roman"/>
+        <a:font script="Thai" typeface="Angsana New"/>
+        <a:font script="Ethi" typeface="Nyala"/>
+        <a:font script="Beng" typeface="Vrinda"/>
+        <a:font script="Gujr" typeface="Shruti"/>
+        <a:font script="Khmr" typeface="MoolBoran"/>
+        <a:font script="Knda" typeface="Tunga"/>
+        <a:font script="Guru" typeface="Raavi"/>
+        <a:font script="Cans" typeface="Euphemia"/>
+        <a:font script="Cher" typeface="Plantagenet Cherokee"/>
+        <a:font script="Yiii" typeface="Microsoft Yi Baiti"/>
+        <a:font script="Tibt" typeface="Microsoft Himalaya"/>
+        <a:font script="Thaa" typeface="MV Boli"/>
+        <a:font script="Deva" typeface="Mangal"/>
+        <a:font script="Telu" typeface="Gautami"/>
+        <a:font script="Taml" typeface="Latha"/>
+        <a:font script="Syrc" typeface="Estrangelo Edessa"/>
+        <a:font script="Orya" typeface="Kalinga"/>
+        <a:font script="Mlym" typeface="Kartika"/>
+        <a:font script="Laoo" typeface="DokChampa"/>
+        <a:font script="Sinh" typeface="Iskoola Pota"/>
+        <a:font script="Mong" typeface="Mongolian Baiti"/>
+        <a:font script="Viet" typeface="Times New Roman"/>
+        <a:font script="Uigh" typeface="Microsoft Uighur"/>
+        <a:font script="Geor" typeface="Sylfaen"/>
+      </a:majorFont>
+      <a:minorFont>
+        <a:latin typeface="Calibri"/>
+        <a:ea typeface=""/>
+        <a:cs typeface=""/>
+        <a:font script="Jpan" typeface="ＭＳ Ｐゴシック"/>
+        <a:font script="Hang" typeface="맑은 고딕"/>
+        <a:font script="Hans" typeface="宋体"/>
+        <a:font script="Hant" typeface="新細明體"/>
+        <a:font script="Arab" typeface="Arial"/>
+        <a:font script="Hebr" typeface="Arial"/>
+        <a:font script="Thai" typeface="Cordia New"/>
+        <a:font script="Ethi" typeface="Nyala"/>
+        <a:font script="Beng" typeface="Vrinda"/>
+        <a:font script="Gujr" typeface="Shruti"/>
+        <a:font script="Khmr" typeface="DaunPenh"/>
+        <a:font script="Knda" typeface="Tunga"/>
+        <a:font script="Guru" typeface="Raavi"/>
+        <a:font script="Cans" typeface="Euphemia"/>
+        <a:font script="Cher" typeface="Plantagenet Cherokee"/>
+        <a:font script="Yiii" typeface="Microsoft Yi Baiti"/>
+        <a:font script="Tibt" typeface="Microsoft Himalaya"/>
+        <a:font script="Thaa" typeface="MV Boli"/>
+        <a:font script="Deva" typeface="Mangal"/>
+        <a:font script="Telu" typeface="Gautami"/>
+        <a:font script="Taml" typeface="Latha"/>
+        <a:font script="Syrc" typeface="Estrangelo Edessa"/>
+        <a:font script="Orya" typeface="Kalinga"/>
+        <a:font script="Mlym" typeface="Kartika"/>
+        <a:font script="Laoo" typeface="DokChampa"/>
+        <a:font script="Sinh" typeface="Iskoola Pota"/>
+        <a:font script="Mong" typeface="Mongolian Baiti"/>
+        <a:font script="Viet" typeface="Arial"/>
+        <a:font script="Uigh" typeface="Microsoft Uighur"/>
+        <a:font script="Geor" typeface="Sylfaen"/>
+      </a:minorFont>
+    </a:fontScheme>
+    <a:fmtScheme name="Office">
+      <a:fillStyleLst>
+        <a:solidFill>
+          <a:schemeClr val="phClr"/>
+        </a:solidFill>
+        <a:gradFill rotWithShape="1">
+          <a:gsLst>
+            <a:gs pos="0">
+              <a:schemeClr val="phClr">
+                <a:tint val="50000"/>
+                <a:satMod val="300000"/>
+              </a:schemeClr>
+            </a:gs>
+            <a:gs pos="35000">
+              <a:schemeClr val="phClr">
+                <a:tint val="37000"/>
+                <a:satMod val="300000"/>
+              </a:schemeClr>
+            </a:gs>
+            <a:gs pos="100000">
+              <a:schemeClr val="phClr">
+                <a:tint val="15000"/>
+                <a:satMod val="350000"/>
+              </a:schemeClr>
+            </a:gs>
+          </a:gsLst>
+          <a:lin ang="16200000" scaled="1"/>
+        </a:gradFill>
+        <a:gradFill rotWithShape="1">
+          <a:gsLst>
+            <a:gs pos="0">
+              <a:schemeClr val="phClr">
+                <a:shade val="51000"/>
+                <a:satMod val="130000"/>
+              </a:schemeClr>
+            </a:gs>
+            <a:gs pos="80000">
+              <a:schemeClr val="phClr">
+                <a:shade val="93000"/>
+                <a:satMod val="130000"/>
+              </a:schemeClr>
+            </a:gs>
+            <a:gs pos="100000">
+              <a:schemeClr val="phClr">
+                <a:shade val="94000"/>
+                <a:satMod val="135000"/>
+              </a:schemeClr>
+            </a:gs>
+          </a:gsLst>
+          <a:lin ang="16200000" scaled="0"/>
+        </a:gradFill>
+      </a:fillStyleLst>
+      <a:lnStyleLst>
+        <a:ln w="9525" cap="flat" cmpd="sng" algn="ctr">
+          <a:solidFill>
+            <a:schemeClr val="phClr">
+              <a:shade val="95000"/>
+              <a:satMod val="105000"/>
+            </a:schemeClr>
+          </a:solidFill>
+          <a:prstDash val="solid"/>
+        </a:ln>
+        <a:ln w="25400" cap="flat" cmpd="sng" algn="ctr">
+          <a:solidFill>
+            <a:schemeClr val="phClr"/>
+          </a:solidFill>
+          <a:prstDash val="solid"/>
+        </a:ln>
+        <a:ln w="38100" cap="flat" cmpd="sng" algn="ctr">
+          <a:solidFill>
+            <a:schemeClr val="phClr"/>
+          </a:solidFill>
+          <a:prstDash val="solid"/>
+        </a:ln>
+      </a:lnStyleLst>
+      <a:effectStyleLst>
+        <a:effectStyle>
+          <a:effectLst>
+            <a:outerShdw blurRad="40000" dist="20000" dir="5400000" rotWithShape="0">
+              <a:srgbClr val="000000">
+                <a:alpha val="38000"/>
+              </a:srgbClr>
+            </a:outerShdw>
+          </a:effectLst>
+        </a:effectStyle>
+        <a:effectStyle>
+          <a:effectLst>
+            <a:outerShdw blurRad="40000" dist="23000" dir="5400000" rotWithShape="0">
+              <a:srgbClr val="000000">
+                <a:alpha val="35000"/>
+              </a:srgbClr>
+            </a:outerShdw>
+          </a:effectLst>
+        </a:effectStyle>
+        <a:effectStyle>
+          <a:effectLst>
+            <a:outerShdw blurRad="40000" dist="23000" dir="5400000" rotWithShape="0">
+              <a:srgbClr val="000000">
+                <a:alpha val="35000"/>
+              </a:srgbClr>
+            </a:outerShdw>
+          </a:effectLst>
+          <a:scene3d>
+            <a:camera prst="orthographicFront">
+              <a:rot lat="0" lon="0" rev="0"/>
+            </a:camera>
+            <a:lightRig rig="threePt" dir="t">
+              <a:rot lat="0" lon="0" rev="1200000"/>
+            </a:lightRig>
+          </a:scene3d>
+          <a:sp3d>
+            <a:bevelT w="63500" h="25400"/>
+          </a:sp3d>
+        </a:effectStyle>
+      </a:effectStyleLst>
+      <a:bgFillStyleLst>
+        <a:solidFill>
+          <a:schemeClr val="phClr"/>
+        </a:solidFill>
+        <a:gradFill rotWithShape="1">
+          <a:gsLst>
+            <a:gs pos="0">
+              <a:schemeClr val="phClr">
+                <a:tint val="40000"/>
+                <a:satMod val="350000"/>
+              </a:schemeClr>
+            </a:gs>
+            <a:gs pos="40000">
+              <a:schemeClr val="phClr">
+                <a:tint val="45000"/>
+                <a:shade val="99000"/>
+                <a:satMod val="350000"/>
+              </a:schemeClr>
+            </a:gs>
+            <a:gs pos="100000">
+              <a:schemeClr val="phClr">
+                <a:shade val="20000"/>
+                <a:satMod val="255000"/>
+              </a:schemeClr>
+            </a:gs>
+          </a:gsLst>
+          <a:path path="circle">
+            <a:fillToRect l="50000" t="-80000" r="50000" b="180000"/>
+          </a:path>
+        </a:gradFill>
+        <a:gradFill rotWithShape="1">
+          <a:gsLst>
+            <a:gs pos="0">
+              <a:schemeClr val="phClr">
+                <a:tint val="80000"/>
+                <a:satMod val="300000"/>
+              </a:schemeClr>
+            </a:gs>
+            <a:gs pos="100000">
+              <a:schemeClr val="phClr">
+                <a:shade val="30000"/>
+                <a:satMod val="200000"/>
+              </a:schemeClr>
+            </a:gs>
+          </a:gsLst>
+          <a:path path="circle">
+            <a:fillToRect l="50000" t="50000" r="50000" b="50000"/>
+          </a:path>
+        </a:gradFill>
+      </a:bgFillStyleLst>
+    </a:fmtScheme>
+  </a:themeElements>
+  <a:objectDefaults/>
+  <a:extraClrSchemeLst/>
+</a:theme>
 </file>